--- a/Docs/Oplevering 3/Oplevering 3.pptx
+++ b/Docs/Oplevering 3/Oplevering 3.pptx
@@ -9,9 +9,9 @@
   </p:notesMasterIdLst>
   <p:sldIdLst>
     <p:sldId id="256" r:id="rId5"/>
-    <p:sldId id="261" r:id="rId6"/>
-    <p:sldId id="258" r:id="rId7"/>
-    <p:sldId id="266" r:id="rId8"/>
+    <p:sldId id="258" r:id="rId6"/>
+    <p:sldId id="266" r:id="rId7"/>
+    <p:sldId id="261" r:id="rId8"/>
     <p:sldId id="265" r:id="rId9"/>
   </p:sldIdLst>
   <p:sldSz cx="12192000" cy="6858000"/>
@@ -119,15 +119,15 @@
             <p14:sldId id="256"/>
           </p14:sldIdLst>
         </p14:section>
-        <p14:section name="Vorige Week" id="{859EA40D-A5B7-46C0-A07B-0BC44113B089}">
-          <p14:sldIdLst>
-            <p14:sldId id="261"/>
-          </p14:sldIdLst>
-        </p14:section>
         <p14:section name="Inhoud" id="{AA60C6FA-A5FB-4131-BA71-021042DBEEA5}">
           <p14:sldIdLst>
             <p14:sldId id="258"/>
             <p14:sldId id="266"/>
+          </p14:sldIdLst>
+        </p14:section>
+        <p14:section name="Vorige Week" id="{859EA40D-A5B7-46C0-A07B-0BC44113B089}">
+          <p14:sldIdLst>
+            <p14:sldId id="261"/>
           </p14:sldIdLst>
         </p14:section>
         <p14:section name="Vragen" id="{26FE2641-2418-4909-9337-7DFCE0B43847}">
@@ -651,6 +651,154 @@
           <a:bodyPr/>
           <a:lstStyle/>
           <a:p>
+            <a:r>
+              <a:rPr lang="nl-NL" dirty="0"/>
+              <a:t>Inhoud</a:t>
+            </a:r>
+          </a:p>
+          <a:p>
+            <a:pPr marL="171450" indent="-171450">
+              <a:buFontTx/>
+              <a:buChar char="-"/>
+            </a:pPr>
+            <a:r>
+              <a:rPr lang="nl-NL" dirty="0"/>
+              <a:t>Eventjes over de Vorige Oplevering</a:t>
+            </a:r>
+          </a:p>
+          <a:p>
+            <a:pPr marL="171450" indent="-171450">
+              <a:buFontTx/>
+              <a:buChar char="-"/>
+            </a:pPr>
+            <a:r>
+              <a:rPr lang="nl-NL" dirty="0"/>
+              <a:t>De Formule</a:t>
+            </a:r>
+          </a:p>
+          <a:p>
+            <a:pPr marL="171450" indent="-171450">
+              <a:buFontTx/>
+              <a:buChar char="-"/>
+            </a:pPr>
+            <a:r>
+              <a:rPr lang="nl-NL" dirty="0" err="1"/>
+              <a:t>Create</a:t>
+            </a:r>
+            <a:r>
+              <a:rPr lang="nl-NL" dirty="0"/>
+              <a:t> Pagina</a:t>
+            </a:r>
+          </a:p>
+          <a:p>
+            <a:pPr marL="171450" indent="-171450">
+              <a:buFontTx/>
+              <a:buChar char="-"/>
+            </a:pPr>
+            <a:r>
+              <a:rPr lang="nl-NL" dirty="0"/>
+              <a:t>Daarna de rest van de site tot nu toe.</a:t>
+            </a:r>
+          </a:p>
+          <a:p>
+            <a:pPr marL="171450" indent="-171450">
+              <a:buFontTx/>
+              <a:buChar char="-"/>
+            </a:pPr>
+            <a:r>
+              <a:rPr lang="nl-NL" dirty="0"/>
+              <a:t>Als laatst nog vragen van ons en u.</a:t>
+            </a:r>
+          </a:p>
+          <a:p>
+            <a:pPr marL="171450" indent="-171450">
+              <a:buFontTx/>
+              <a:buChar char="-"/>
+            </a:pPr>
+            <a:endParaRPr lang="nl-NL" dirty="0"/>
+          </a:p>
+        </p:txBody>
+      </p:sp>
+      <p:sp>
+        <p:nvSpPr>
+          <p:cNvPr id="4" name="Slide Number Placeholder 3"/>
+          <p:cNvSpPr>
+            <a:spLocks noGrp="1"/>
+          </p:cNvSpPr>
+          <p:nvPr>
+            <p:ph type="sldNum" sz="quarter" idx="5"/>
+          </p:nvPr>
+        </p:nvSpPr>
+        <p:spPr/>
+        <p:txBody>
+          <a:bodyPr/>
+          <a:lstStyle/>
+          <a:p>
+            <a:fld id="{A9D0150D-558D-4046-9558-3094E53A3764}" type="slidenum">
+              <a:rPr lang="nl-NL" smtClean="0"/>
+              <a:t>2</a:t>
+            </a:fld>
+            <a:endParaRPr lang="nl-NL"/>
+          </a:p>
+        </p:txBody>
+      </p:sp>
+    </p:spTree>
+    <p:extLst>
+      <p:ext uri="{BB962C8B-B14F-4D97-AF65-F5344CB8AC3E}">
+        <p14:creationId xmlns:p14="http://schemas.microsoft.com/office/powerpoint/2010/main" val="2694373313"/>
+      </p:ext>
+    </p:extLst>
+  </p:cSld>
+  <p:clrMapOvr>
+    <a:masterClrMapping/>
+  </p:clrMapOvr>
+</p:notes>
+</file>
+
+<file path=ppt/notesSlides/notesSlide3.xml><?xml version="1.0" encoding="utf-8"?>
+<p:notes xmlns:a="http://schemas.openxmlformats.org/drawingml/2006/main" xmlns:r="http://schemas.openxmlformats.org/officeDocument/2006/relationships" xmlns:p="http://schemas.openxmlformats.org/presentationml/2006/main">
+  <p:cSld>
+    <p:spTree>
+      <p:nvGrpSpPr>
+        <p:cNvPr id="1" name=""/>
+        <p:cNvGrpSpPr/>
+        <p:nvPr/>
+      </p:nvGrpSpPr>
+      <p:grpSpPr>
+        <a:xfrm>
+          <a:off x="0" y="0"/>
+          <a:ext cx="0" cy="0"/>
+          <a:chOff x="0" y="0"/>
+          <a:chExt cx="0" cy="0"/>
+        </a:xfrm>
+      </p:grpSpPr>
+      <p:sp>
+        <p:nvSpPr>
+          <p:cNvPr id="2" name="Slide Image Placeholder 1"/>
+          <p:cNvSpPr>
+            <a:spLocks noGrp="1" noRot="1" noChangeAspect="1"/>
+          </p:cNvSpPr>
+          <p:nvPr>
+            <p:ph type="sldImg"/>
+          </p:nvPr>
+        </p:nvSpPr>
+        <p:spPr/>
+      </p:sp>
+      <p:sp>
+        <p:nvSpPr>
+          <p:cNvPr id="3" name="Notes Placeholder 2"/>
+          <p:cNvSpPr>
+            <a:spLocks noGrp="1"/>
+          </p:cNvSpPr>
+          <p:nvPr>
+            <p:ph type="body" idx="1"/>
+          </p:nvPr>
+        </p:nvSpPr>
+        <p:spPr/>
+        <p:txBody>
+          <a:bodyPr/>
+          <a:lstStyle/>
+          <a:p>
             <a:pPr marL="0" indent="0">
               <a:buFontTx/>
               <a:buNone/>
@@ -818,7 +966,7 @@
           <a:p>
             <a:fld id="{A9D0150D-558D-4046-9558-3094E53A3764}" type="slidenum">
               <a:rPr lang="nl-NL" smtClean="0"/>
-              <a:t>2</a:t>
+              <a:t>4</a:t>
             </a:fld>
             <a:endParaRPr lang="nl-NL"/>
           </a:p>
@@ -828,154 +976,6 @@
     <p:extLst>
       <p:ext uri="{BB962C8B-B14F-4D97-AF65-F5344CB8AC3E}">
         <p14:creationId xmlns:p14="http://schemas.microsoft.com/office/powerpoint/2010/main" val="1435547089"/>
-      </p:ext>
-    </p:extLst>
-  </p:cSld>
-  <p:clrMapOvr>
-    <a:masterClrMapping/>
-  </p:clrMapOvr>
-</p:notes>
-</file>
-
-<file path=ppt/notesSlides/notesSlide3.xml><?xml version="1.0" encoding="utf-8"?>
-<p:notes xmlns:a="http://schemas.openxmlformats.org/drawingml/2006/main" xmlns:r="http://schemas.openxmlformats.org/officeDocument/2006/relationships" xmlns:p="http://schemas.openxmlformats.org/presentationml/2006/main">
-  <p:cSld>
-    <p:spTree>
-      <p:nvGrpSpPr>
-        <p:cNvPr id="1" name=""/>
-        <p:cNvGrpSpPr/>
-        <p:nvPr/>
-      </p:nvGrpSpPr>
-      <p:grpSpPr>
-        <a:xfrm>
-          <a:off x="0" y="0"/>
-          <a:ext cx="0" cy="0"/>
-          <a:chOff x="0" y="0"/>
-          <a:chExt cx="0" cy="0"/>
-        </a:xfrm>
-      </p:grpSpPr>
-      <p:sp>
-        <p:nvSpPr>
-          <p:cNvPr id="2" name="Slide Image Placeholder 1"/>
-          <p:cNvSpPr>
-            <a:spLocks noGrp="1" noRot="1" noChangeAspect="1"/>
-          </p:cNvSpPr>
-          <p:nvPr>
-            <p:ph type="sldImg"/>
-          </p:nvPr>
-        </p:nvSpPr>
-        <p:spPr/>
-      </p:sp>
-      <p:sp>
-        <p:nvSpPr>
-          <p:cNvPr id="3" name="Notes Placeholder 2"/>
-          <p:cNvSpPr>
-            <a:spLocks noGrp="1"/>
-          </p:cNvSpPr>
-          <p:nvPr>
-            <p:ph type="body" idx="1"/>
-          </p:nvPr>
-        </p:nvSpPr>
-        <p:spPr/>
-        <p:txBody>
-          <a:bodyPr/>
-          <a:lstStyle/>
-          <a:p>
-            <a:r>
-              <a:rPr lang="nl-NL" dirty="0"/>
-              <a:t>Inhoud</a:t>
-            </a:r>
-          </a:p>
-          <a:p>
-            <a:pPr marL="171450" indent="-171450">
-              <a:buFontTx/>
-              <a:buChar char="-"/>
-            </a:pPr>
-            <a:r>
-              <a:rPr lang="nl-NL" dirty="0"/>
-              <a:t>Eventjes over de Vorige Oplevering</a:t>
-            </a:r>
-          </a:p>
-          <a:p>
-            <a:pPr marL="171450" indent="-171450">
-              <a:buFontTx/>
-              <a:buChar char="-"/>
-            </a:pPr>
-            <a:r>
-              <a:rPr lang="nl-NL" dirty="0"/>
-              <a:t>De Formule</a:t>
-            </a:r>
-          </a:p>
-          <a:p>
-            <a:pPr marL="171450" indent="-171450">
-              <a:buFontTx/>
-              <a:buChar char="-"/>
-            </a:pPr>
-            <a:r>
-              <a:rPr lang="nl-NL" dirty="0" err="1"/>
-              <a:t>Create</a:t>
-            </a:r>
-            <a:r>
-              <a:rPr lang="nl-NL" dirty="0"/>
-              <a:t> Pagina</a:t>
-            </a:r>
-          </a:p>
-          <a:p>
-            <a:pPr marL="171450" indent="-171450">
-              <a:buFontTx/>
-              <a:buChar char="-"/>
-            </a:pPr>
-            <a:r>
-              <a:rPr lang="nl-NL" dirty="0"/>
-              <a:t>Daarna de rest van de site tot nu toe.</a:t>
-            </a:r>
-          </a:p>
-          <a:p>
-            <a:pPr marL="171450" indent="-171450">
-              <a:buFontTx/>
-              <a:buChar char="-"/>
-            </a:pPr>
-            <a:r>
-              <a:rPr lang="nl-NL" dirty="0"/>
-              <a:t>Als laatst nog vragen van ons en u.</a:t>
-            </a:r>
-          </a:p>
-          <a:p>
-            <a:pPr marL="171450" indent="-171450">
-              <a:buFontTx/>
-              <a:buChar char="-"/>
-            </a:pPr>
-            <a:endParaRPr lang="nl-NL" dirty="0"/>
-          </a:p>
-        </p:txBody>
-      </p:sp>
-      <p:sp>
-        <p:nvSpPr>
-          <p:cNvPr id="4" name="Slide Number Placeholder 3"/>
-          <p:cNvSpPr>
-            <a:spLocks noGrp="1"/>
-          </p:cNvSpPr>
-          <p:nvPr>
-            <p:ph type="sldNum" sz="quarter" idx="5"/>
-          </p:nvPr>
-        </p:nvSpPr>
-        <p:spPr/>
-        <p:txBody>
-          <a:bodyPr/>
-          <a:lstStyle/>
-          <a:p>
-            <a:fld id="{A9D0150D-558D-4046-9558-3094E53A3764}" type="slidenum">
-              <a:rPr lang="nl-NL" smtClean="0"/>
-              <a:t>3</a:t>
-            </a:fld>
-            <a:endParaRPr lang="nl-NL"/>
-          </a:p>
-        </p:txBody>
-      </p:sp>
-    </p:spTree>
-    <p:extLst>
-      <p:ext uri="{BB962C8B-B14F-4D97-AF65-F5344CB8AC3E}">
-        <p14:creationId xmlns:p14="http://schemas.microsoft.com/office/powerpoint/2010/main" val="2694373313"/>
       </p:ext>
     </p:extLst>
   </p:cSld>
@@ -17270,6 +17270,2211 @@
 <file path=ppt/slides/slide2.xml><?xml version="1.0" encoding="utf-8"?>
 <p:sld xmlns:a="http://schemas.openxmlformats.org/drawingml/2006/main" xmlns:r="http://schemas.openxmlformats.org/officeDocument/2006/relationships" xmlns:p="http://schemas.openxmlformats.org/presentationml/2006/main">
   <p:cSld>
+    <p:bg>
+      <p:bgPr>
+        <a:solidFill>
+          <a:schemeClr val="bg1"/>
+        </a:solidFill>
+        <a:effectLst/>
+      </p:bgPr>
+    </p:bg>
+    <p:spTree>
+      <p:nvGrpSpPr>
+        <p:cNvPr id="1" name=""/>
+        <p:cNvGrpSpPr/>
+        <p:nvPr/>
+      </p:nvGrpSpPr>
+      <p:grpSpPr>
+        <a:xfrm>
+          <a:off x="0" y="0"/>
+          <a:ext cx="0" cy="0"/>
+          <a:chOff x="0" y="0"/>
+          <a:chExt cx="0" cy="0"/>
+        </a:xfrm>
+      </p:grpSpPr>
+      <p:sp useBgFill="1">
+        <p:nvSpPr>
+          <p:cNvPr id="9" name="Rectangle 8">
+            <a:extLst>
+              <a:ext uri="{FF2B5EF4-FFF2-40B4-BE49-F238E27FC236}">
+                <a16:creationId xmlns:a16="http://schemas.microsoft.com/office/drawing/2014/main" id="{4E1EF4E8-5513-4BF5-BC41-04645281C672}"/>
+              </a:ext>
+              <a:ext uri="{C183D7F6-B498-43B3-948B-1728B52AA6E4}">
+                <adec:decorative xmlns:adec="http://schemas.microsoft.com/office/drawing/2017/decorative" val="1"/>
+              </a:ext>
+            </a:extLst>
+          </p:cNvPr>
+          <p:cNvSpPr>
+            <a:spLocks noGrp="1" noRot="1" noChangeAspect="1" noMove="1" noResize="1" noEditPoints="1" noAdjustHandles="1" noChangeArrowheads="1" noChangeShapeType="1" noTextEdit="1"/>
+          </p:cNvSpPr>
+          <p:nvPr>
+            <p:extLst>
+              <p:ext uri="{386F3935-93C4-4BCD-93E2-E3B085C9AB24}">
+                <p16:designElem xmlns:p16="http://schemas.microsoft.com/office/powerpoint/2015/main" val="1"/>
+              </p:ext>
+            </p:extLst>
+          </p:nvPr>
+        </p:nvSpPr>
+        <p:spPr>
+          <a:xfrm>
+            <a:off x="0" y="0"/>
+            <a:ext cx="12192000" cy="6858000"/>
+          </a:xfrm>
+          <a:prstGeom prst="rect">
+            <a:avLst/>
+          </a:prstGeom>
+          <a:ln w="3848" cap="flat">
+            <a:noFill/>
+            <a:prstDash val="solid"/>
+            <a:miter/>
+          </a:ln>
+          <a:effectLst/>
+        </p:spPr>
+        <p:txBody>
+          <a:bodyPr rtlCol="0" anchor="ctr"/>
+          <a:lstStyle/>
+          <a:p>
+            <a:endParaRPr lang="en-US" dirty="0">
+              <a:solidFill>
+                <a:schemeClr val="tx1"/>
+              </a:solidFill>
+            </a:endParaRPr>
+          </a:p>
+        </p:txBody>
+      </p:sp>
+      <p:pic>
+        <p:nvPicPr>
+          <p:cNvPr id="4" name="Picture 3">
+            <a:extLst>
+              <a:ext uri="{FF2B5EF4-FFF2-40B4-BE49-F238E27FC236}">
+                <a16:creationId xmlns:a16="http://schemas.microsoft.com/office/drawing/2014/main" id="{D64424B1-96A4-6AC9-76CA-577051712DAA}"/>
+              </a:ext>
+            </a:extLst>
+          </p:cNvPr>
+          <p:cNvPicPr>
+            <a:picLocks noChangeAspect="1"/>
+          </p:cNvPicPr>
+          <p:nvPr/>
+        </p:nvPicPr>
+        <p:blipFill rotWithShape="1">
+          <a:blip r:embed="rId3"/>
+          <a:srcRect t="5493" b="4145"/>
+          <a:stretch/>
+        </p:blipFill>
+        <p:spPr>
+          <a:xfrm>
+            <a:off x="-470470" y="-2004409"/>
+            <a:ext cx="16216920" cy="9122018"/>
+          </a:xfrm>
+          <a:prstGeom prst="rect">
+            <a:avLst/>
+          </a:prstGeom>
+        </p:spPr>
+      </p:pic>
+      <p:grpSp>
+        <p:nvGrpSpPr>
+          <p:cNvPr id="11" name="Group 10">
+            <a:extLst>
+              <a:ext uri="{FF2B5EF4-FFF2-40B4-BE49-F238E27FC236}">
+                <a16:creationId xmlns:a16="http://schemas.microsoft.com/office/drawing/2014/main" id="{386FCB15-7F30-4453-B0F7-4BEB5EB6FB31}"/>
+              </a:ext>
+              <a:ext uri="{C183D7F6-B498-43B3-948B-1728B52AA6E4}">
+                <adec:decorative xmlns:adec="http://schemas.microsoft.com/office/drawing/2017/decorative" val="1"/>
+              </a:ext>
+            </a:extLst>
+          </p:cNvPr>
+          <p:cNvGrpSpPr>
+            <a:grpSpLocks noGrp="1" noUngrp="1" noRot="1" noChangeAspect="1" noMove="1" noResize="1"/>
+          </p:cNvGrpSpPr>
+          <p:nvPr>
+            <p:extLst>
+              <p:ext uri="{386F3935-93C4-4BCD-93E2-E3B085C9AB24}">
+                <p16:designElem xmlns:p16="http://schemas.microsoft.com/office/powerpoint/2015/main" val="1"/>
+              </p:ext>
+            </p:extLst>
+          </p:nvPr>
+        </p:nvGrpSpPr>
+        <p:grpSpPr>
+          <a:xfrm>
+            <a:off x="-6214" y="-1"/>
+            <a:ext cx="12214827" cy="6858000"/>
+            <a:chOff x="-6214" y="-1"/>
+            <a:chExt cx="12214827" cy="6858000"/>
+          </a:xfrm>
+        </p:grpSpPr>
+        <p:cxnSp>
+          <p:nvCxnSpPr>
+            <p:cNvPr id="12" name="Straight Connector 11">
+              <a:extLst>
+                <a:ext uri="{FF2B5EF4-FFF2-40B4-BE49-F238E27FC236}">
+                  <a16:creationId xmlns:a16="http://schemas.microsoft.com/office/drawing/2014/main" id="{0E7FF6A1-5529-4745-8840-FDFB9CF23557}"/>
+                </a:ext>
+                <a:ext uri="{C183D7F6-B498-43B3-948B-1728B52AA6E4}">
+                  <adec:decorative xmlns:adec="http://schemas.microsoft.com/office/drawing/2017/decorative" val="1"/>
+                </a:ext>
+              </a:extLst>
+            </p:cNvPr>
+            <p:cNvCxnSpPr>
+              <a:cxnSpLocks/>
+            </p:cNvCxnSpPr>
+            <p:nvPr>
+              <p:extLst>
+                <p:ext uri="{386F3935-93C4-4BCD-93E2-E3B085C9AB24}">
+                  <p16:designElem xmlns:p16="http://schemas.microsoft.com/office/powerpoint/2015/main" val="1"/>
+                </p:ext>
+              </p:extLst>
+            </p:nvPr>
+          </p:nvCxnSpPr>
+          <p:spPr>
+            <a:xfrm>
+              <a:off x="-6214" y="6686283"/>
+              <a:ext cx="12192000" cy="0"/>
+            </a:xfrm>
+            <a:prstGeom prst="line">
+              <a:avLst/>
+            </a:prstGeom>
+            <a:ln w="12700">
+              <a:solidFill>
+                <a:srgbClr val="BCBCBC">
+                  <a:alpha val="29804"/>
+                </a:srgbClr>
+              </a:solidFill>
+              <a:prstDash val="sysDot"/>
+            </a:ln>
+          </p:spPr>
+          <p:style>
+            <a:lnRef idx="1">
+              <a:schemeClr val="accent1"/>
+            </a:lnRef>
+            <a:fillRef idx="0">
+              <a:schemeClr val="accent1"/>
+            </a:fillRef>
+            <a:effectRef idx="0">
+              <a:schemeClr val="accent1"/>
+            </a:effectRef>
+            <a:fontRef idx="minor">
+              <a:schemeClr val="tx1"/>
+            </a:fontRef>
+          </p:style>
+        </p:cxnSp>
+        <p:cxnSp>
+          <p:nvCxnSpPr>
+            <p:cNvPr id="13" name="Straight Connector 12">
+              <a:extLst>
+                <a:ext uri="{FF2B5EF4-FFF2-40B4-BE49-F238E27FC236}">
+                  <a16:creationId xmlns:a16="http://schemas.microsoft.com/office/drawing/2014/main" id="{73D5344A-2D09-4646-B218-0884CAAAEA84}"/>
+                </a:ext>
+                <a:ext uri="{C183D7F6-B498-43B3-948B-1728B52AA6E4}">
+                  <adec:decorative xmlns:adec="http://schemas.microsoft.com/office/drawing/2017/decorative" val="1"/>
+                </a:ext>
+              </a:extLst>
+            </p:cNvPr>
+            <p:cNvCxnSpPr>
+              <a:cxnSpLocks/>
+            </p:cNvCxnSpPr>
+            <p:nvPr>
+              <p:extLst>
+                <p:ext uri="{386F3935-93C4-4BCD-93E2-E3B085C9AB24}">
+                  <p16:designElem xmlns:p16="http://schemas.microsoft.com/office/powerpoint/2015/main" val="1"/>
+                </p:ext>
+              </p:extLst>
+            </p:nvPr>
+          </p:nvCxnSpPr>
+          <p:spPr>
+            <a:xfrm>
+              <a:off x="0" y="-1"/>
+              <a:ext cx="0" cy="6858000"/>
+            </a:xfrm>
+            <a:prstGeom prst="line">
+              <a:avLst/>
+            </a:prstGeom>
+            <a:ln w="12700">
+              <a:solidFill>
+                <a:srgbClr val="BCBCBC">
+                  <a:alpha val="29804"/>
+                </a:srgbClr>
+              </a:solidFill>
+              <a:prstDash val="sysDot"/>
+            </a:ln>
+          </p:spPr>
+          <p:style>
+            <a:lnRef idx="1">
+              <a:schemeClr val="accent1"/>
+            </a:lnRef>
+            <a:fillRef idx="0">
+              <a:schemeClr val="accent1"/>
+            </a:fillRef>
+            <a:effectRef idx="0">
+              <a:schemeClr val="accent1"/>
+            </a:effectRef>
+            <a:fontRef idx="minor">
+              <a:schemeClr val="tx1"/>
+            </a:fontRef>
+          </p:style>
+        </p:cxnSp>
+        <p:cxnSp>
+          <p:nvCxnSpPr>
+            <p:cNvPr id="14" name="Straight Connector 13">
+              <a:extLst>
+                <a:ext uri="{FF2B5EF4-FFF2-40B4-BE49-F238E27FC236}">
+                  <a16:creationId xmlns:a16="http://schemas.microsoft.com/office/drawing/2014/main" id="{088AA05E-54CF-40DF-89D5-6E191DC0A61A}"/>
+                </a:ext>
+                <a:ext uri="{C183D7F6-B498-43B3-948B-1728B52AA6E4}">
+                  <adec:decorative xmlns:adec="http://schemas.microsoft.com/office/drawing/2017/decorative" val="1"/>
+                </a:ext>
+              </a:extLst>
+            </p:cNvPr>
+            <p:cNvCxnSpPr>
+              <a:cxnSpLocks/>
+            </p:cNvCxnSpPr>
+            <p:nvPr>
+              <p:extLst>
+                <p:ext uri="{386F3935-93C4-4BCD-93E2-E3B085C9AB24}">
+                  <p16:designElem xmlns:p16="http://schemas.microsoft.com/office/powerpoint/2015/main" val="1"/>
+                </p:ext>
+              </p:extLst>
+            </p:nvPr>
+          </p:nvCxnSpPr>
+          <p:spPr>
+            <a:xfrm>
+              <a:off x="11993258" y="-1"/>
+              <a:ext cx="0" cy="6858000"/>
+            </a:xfrm>
+            <a:prstGeom prst="line">
+              <a:avLst/>
+            </a:prstGeom>
+            <a:ln w="12700">
+              <a:solidFill>
+                <a:srgbClr val="BCBCBC">
+                  <a:alpha val="29804"/>
+                </a:srgbClr>
+              </a:solidFill>
+              <a:prstDash val="sysDot"/>
+            </a:ln>
+          </p:spPr>
+          <p:style>
+            <a:lnRef idx="1">
+              <a:schemeClr val="accent1"/>
+            </a:lnRef>
+            <a:fillRef idx="0">
+              <a:schemeClr val="accent1"/>
+            </a:fillRef>
+            <a:effectRef idx="0">
+              <a:schemeClr val="accent1"/>
+            </a:effectRef>
+            <a:fontRef idx="minor">
+              <a:schemeClr val="tx1"/>
+            </a:fontRef>
+          </p:style>
+        </p:cxnSp>
+        <p:cxnSp>
+          <p:nvCxnSpPr>
+            <p:cNvPr id="15" name="Straight Connector 14">
+              <a:extLst>
+                <a:ext uri="{FF2B5EF4-FFF2-40B4-BE49-F238E27FC236}">
+                  <a16:creationId xmlns:a16="http://schemas.microsoft.com/office/drawing/2014/main" id="{646F284F-3157-49A5-8DA6-BF205C574AD6}"/>
+                </a:ext>
+                <a:ext uri="{C183D7F6-B498-43B3-948B-1728B52AA6E4}">
+                  <adec:decorative xmlns:adec="http://schemas.microsoft.com/office/drawing/2017/decorative" val="1"/>
+                </a:ext>
+              </a:extLst>
+            </p:cNvPr>
+            <p:cNvCxnSpPr>
+              <a:cxnSpLocks/>
+            </p:cNvCxnSpPr>
+            <p:nvPr>
+              <p:extLst>
+                <p:ext uri="{386F3935-93C4-4BCD-93E2-E3B085C9AB24}">
+                  <p16:designElem xmlns:p16="http://schemas.microsoft.com/office/powerpoint/2015/main" val="1"/>
+                </p:ext>
+              </p:extLst>
+            </p:nvPr>
+          </p:nvCxnSpPr>
+          <p:spPr>
+            <a:xfrm>
+              <a:off x="192528" y="-1"/>
+              <a:ext cx="0" cy="6858000"/>
+            </a:xfrm>
+            <a:prstGeom prst="line">
+              <a:avLst/>
+            </a:prstGeom>
+            <a:ln w="12700">
+              <a:solidFill>
+                <a:srgbClr val="BCBCBC">
+                  <a:alpha val="29804"/>
+                </a:srgbClr>
+              </a:solidFill>
+              <a:prstDash val="sysDot"/>
+            </a:ln>
+          </p:spPr>
+          <p:style>
+            <a:lnRef idx="1">
+              <a:schemeClr val="accent1"/>
+            </a:lnRef>
+            <a:fillRef idx="0">
+              <a:schemeClr val="accent1"/>
+            </a:fillRef>
+            <a:effectRef idx="0">
+              <a:schemeClr val="accent1"/>
+            </a:effectRef>
+            <a:fontRef idx="minor">
+              <a:schemeClr val="tx1"/>
+            </a:fontRef>
+          </p:style>
+        </p:cxnSp>
+        <p:cxnSp>
+          <p:nvCxnSpPr>
+            <p:cNvPr id="16" name="Straight Connector 15">
+              <a:extLst>
+                <a:ext uri="{FF2B5EF4-FFF2-40B4-BE49-F238E27FC236}">
+                  <a16:creationId xmlns:a16="http://schemas.microsoft.com/office/drawing/2014/main" id="{C5751065-B160-4925-846B-A6D58884070C}"/>
+                </a:ext>
+                <a:ext uri="{C183D7F6-B498-43B3-948B-1728B52AA6E4}">
+                  <adec:decorative xmlns:adec="http://schemas.microsoft.com/office/drawing/2017/decorative" val="1"/>
+                </a:ext>
+              </a:extLst>
+            </p:cNvPr>
+            <p:cNvCxnSpPr>
+              <a:cxnSpLocks/>
+            </p:cNvCxnSpPr>
+            <p:nvPr>
+              <p:extLst>
+                <p:ext uri="{386F3935-93C4-4BCD-93E2-E3B085C9AB24}">
+                  <p16:designElem xmlns:p16="http://schemas.microsoft.com/office/powerpoint/2015/main" val="1"/>
+                </p:ext>
+              </p:extLst>
+            </p:nvPr>
+          </p:nvCxnSpPr>
+          <p:spPr>
+            <a:xfrm>
+              <a:off x="1175922" y="-1"/>
+              <a:ext cx="0" cy="6858000"/>
+            </a:xfrm>
+            <a:prstGeom prst="line">
+              <a:avLst/>
+            </a:prstGeom>
+            <a:ln w="12700">
+              <a:solidFill>
+                <a:srgbClr val="BCBCBC">
+                  <a:alpha val="29804"/>
+                </a:srgbClr>
+              </a:solidFill>
+              <a:prstDash val="sysDot"/>
+            </a:ln>
+          </p:spPr>
+          <p:style>
+            <a:lnRef idx="1">
+              <a:schemeClr val="accent1"/>
+            </a:lnRef>
+            <a:fillRef idx="0">
+              <a:schemeClr val="accent1"/>
+            </a:fillRef>
+            <a:effectRef idx="0">
+              <a:schemeClr val="accent1"/>
+            </a:effectRef>
+            <a:fontRef idx="minor">
+              <a:schemeClr val="tx1"/>
+            </a:fontRef>
+          </p:style>
+        </p:cxnSp>
+        <p:cxnSp>
+          <p:nvCxnSpPr>
+            <p:cNvPr id="17" name="Straight Connector 16">
+              <a:extLst>
+                <a:ext uri="{FF2B5EF4-FFF2-40B4-BE49-F238E27FC236}">
+                  <a16:creationId xmlns:a16="http://schemas.microsoft.com/office/drawing/2014/main" id="{24E1489A-F3EF-42BF-84CB-6BB9203D6C51}"/>
+                </a:ext>
+                <a:ext uri="{C183D7F6-B498-43B3-948B-1728B52AA6E4}">
+                  <adec:decorative xmlns:adec="http://schemas.microsoft.com/office/drawing/2017/decorative" val="1"/>
+                </a:ext>
+              </a:extLst>
+            </p:cNvPr>
+            <p:cNvCxnSpPr>
+              <a:cxnSpLocks/>
+            </p:cNvCxnSpPr>
+            <p:nvPr>
+              <p:extLst>
+                <p:ext uri="{386F3935-93C4-4BCD-93E2-E3B085C9AB24}">
+                  <p16:designElem xmlns:p16="http://schemas.microsoft.com/office/powerpoint/2015/main" val="1"/>
+                </p:ext>
+              </p:extLst>
+            </p:nvPr>
+          </p:nvCxnSpPr>
+          <p:spPr>
+            <a:xfrm>
+              <a:off x="2159316" y="-1"/>
+              <a:ext cx="0" cy="6858000"/>
+            </a:xfrm>
+            <a:prstGeom prst="line">
+              <a:avLst/>
+            </a:prstGeom>
+            <a:ln w="12700">
+              <a:solidFill>
+                <a:srgbClr val="BCBCBC">
+                  <a:alpha val="29804"/>
+                </a:srgbClr>
+              </a:solidFill>
+              <a:prstDash val="sysDot"/>
+            </a:ln>
+          </p:spPr>
+          <p:style>
+            <a:lnRef idx="1">
+              <a:schemeClr val="accent1"/>
+            </a:lnRef>
+            <a:fillRef idx="0">
+              <a:schemeClr val="accent1"/>
+            </a:fillRef>
+            <a:effectRef idx="0">
+              <a:schemeClr val="accent1"/>
+            </a:effectRef>
+            <a:fontRef idx="minor">
+              <a:schemeClr val="tx1"/>
+            </a:fontRef>
+          </p:style>
+        </p:cxnSp>
+        <p:cxnSp>
+          <p:nvCxnSpPr>
+            <p:cNvPr id="18" name="Straight Connector 17">
+              <a:extLst>
+                <a:ext uri="{FF2B5EF4-FFF2-40B4-BE49-F238E27FC236}">
+                  <a16:creationId xmlns:a16="http://schemas.microsoft.com/office/drawing/2014/main" id="{F138BC36-8129-4866-9D4A-F966FB5924BE}"/>
+                </a:ext>
+                <a:ext uri="{C183D7F6-B498-43B3-948B-1728B52AA6E4}">
+                  <adec:decorative xmlns:adec="http://schemas.microsoft.com/office/drawing/2017/decorative" val="1"/>
+                </a:ext>
+              </a:extLst>
+            </p:cNvPr>
+            <p:cNvCxnSpPr>
+              <a:cxnSpLocks/>
+            </p:cNvCxnSpPr>
+            <p:nvPr>
+              <p:extLst>
+                <p:ext uri="{386F3935-93C4-4BCD-93E2-E3B085C9AB24}">
+                  <p16:designElem xmlns:p16="http://schemas.microsoft.com/office/powerpoint/2015/main" val="1"/>
+                </p:ext>
+              </p:extLst>
+            </p:nvPr>
+          </p:nvCxnSpPr>
+          <p:spPr>
+            <a:xfrm>
+              <a:off x="3142710" y="-1"/>
+              <a:ext cx="0" cy="6858000"/>
+            </a:xfrm>
+            <a:prstGeom prst="line">
+              <a:avLst/>
+            </a:prstGeom>
+            <a:ln w="12700">
+              <a:solidFill>
+                <a:srgbClr val="BCBCBC">
+                  <a:alpha val="29804"/>
+                </a:srgbClr>
+              </a:solidFill>
+              <a:prstDash val="sysDot"/>
+            </a:ln>
+          </p:spPr>
+          <p:style>
+            <a:lnRef idx="1">
+              <a:schemeClr val="accent1"/>
+            </a:lnRef>
+            <a:fillRef idx="0">
+              <a:schemeClr val="accent1"/>
+            </a:fillRef>
+            <a:effectRef idx="0">
+              <a:schemeClr val="accent1"/>
+            </a:effectRef>
+            <a:fontRef idx="minor">
+              <a:schemeClr val="tx1"/>
+            </a:fontRef>
+          </p:style>
+        </p:cxnSp>
+        <p:cxnSp>
+          <p:nvCxnSpPr>
+            <p:cNvPr id="19" name="Straight Connector 18">
+              <a:extLst>
+                <a:ext uri="{FF2B5EF4-FFF2-40B4-BE49-F238E27FC236}">
+                  <a16:creationId xmlns:a16="http://schemas.microsoft.com/office/drawing/2014/main" id="{8F2BC849-BEF7-4E50-9A60-48119FBD15D1}"/>
+                </a:ext>
+                <a:ext uri="{C183D7F6-B498-43B3-948B-1728B52AA6E4}">
+                  <adec:decorative xmlns:adec="http://schemas.microsoft.com/office/drawing/2017/decorative" val="1"/>
+                </a:ext>
+              </a:extLst>
+            </p:cNvPr>
+            <p:cNvCxnSpPr>
+              <a:cxnSpLocks/>
+            </p:cNvCxnSpPr>
+            <p:nvPr>
+              <p:extLst>
+                <p:ext uri="{386F3935-93C4-4BCD-93E2-E3B085C9AB24}">
+                  <p16:designElem xmlns:p16="http://schemas.microsoft.com/office/powerpoint/2015/main" val="1"/>
+                </p:ext>
+              </p:extLst>
+            </p:nvPr>
+          </p:nvCxnSpPr>
+          <p:spPr>
+            <a:xfrm>
+              <a:off x="4126104" y="-1"/>
+              <a:ext cx="0" cy="6858000"/>
+            </a:xfrm>
+            <a:prstGeom prst="line">
+              <a:avLst/>
+            </a:prstGeom>
+            <a:ln w="12700">
+              <a:solidFill>
+                <a:srgbClr val="BCBCBC">
+                  <a:alpha val="29804"/>
+                </a:srgbClr>
+              </a:solidFill>
+              <a:prstDash val="sysDot"/>
+            </a:ln>
+          </p:spPr>
+          <p:style>
+            <a:lnRef idx="1">
+              <a:schemeClr val="accent1"/>
+            </a:lnRef>
+            <a:fillRef idx="0">
+              <a:schemeClr val="accent1"/>
+            </a:fillRef>
+            <a:effectRef idx="0">
+              <a:schemeClr val="accent1"/>
+            </a:effectRef>
+            <a:fontRef idx="minor">
+              <a:schemeClr val="tx1"/>
+            </a:fontRef>
+          </p:style>
+        </p:cxnSp>
+        <p:cxnSp>
+          <p:nvCxnSpPr>
+            <p:cNvPr id="20" name="Straight Connector 19">
+              <a:extLst>
+                <a:ext uri="{FF2B5EF4-FFF2-40B4-BE49-F238E27FC236}">
+                  <a16:creationId xmlns:a16="http://schemas.microsoft.com/office/drawing/2014/main" id="{7DCB4417-C230-4602-AB86-2269C3EA141B}"/>
+                </a:ext>
+                <a:ext uri="{C183D7F6-B498-43B3-948B-1728B52AA6E4}">
+                  <adec:decorative xmlns:adec="http://schemas.microsoft.com/office/drawing/2017/decorative" val="1"/>
+                </a:ext>
+              </a:extLst>
+            </p:cNvPr>
+            <p:cNvCxnSpPr>
+              <a:cxnSpLocks/>
+            </p:cNvCxnSpPr>
+            <p:nvPr>
+              <p:extLst>
+                <p:ext uri="{386F3935-93C4-4BCD-93E2-E3B085C9AB24}">
+                  <p16:designElem xmlns:p16="http://schemas.microsoft.com/office/powerpoint/2015/main" val="1"/>
+                </p:ext>
+              </p:extLst>
+            </p:nvPr>
+          </p:nvCxnSpPr>
+          <p:spPr>
+            <a:xfrm>
+              <a:off x="5109498" y="-1"/>
+              <a:ext cx="0" cy="6858000"/>
+            </a:xfrm>
+            <a:prstGeom prst="line">
+              <a:avLst/>
+            </a:prstGeom>
+            <a:ln w="12700">
+              <a:solidFill>
+                <a:srgbClr val="BCBCBC">
+                  <a:alpha val="29804"/>
+                </a:srgbClr>
+              </a:solidFill>
+              <a:prstDash val="sysDot"/>
+            </a:ln>
+          </p:spPr>
+          <p:style>
+            <a:lnRef idx="1">
+              <a:schemeClr val="accent1"/>
+            </a:lnRef>
+            <a:fillRef idx="0">
+              <a:schemeClr val="accent1"/>
+            </a:fillRef>
+            <a:effectRef idx="0">
+              <a:schemeClr val="accent1"/>
+            </a:effectRef>
+            <a:fontRef idx="minor">
+              <a:schemeClr val="tx1"/>
+            </a:fontRef>
+          </p:style>
+        </p:cxnSp>
+        <p:cxnSp>
+          <p:nvCxnSpPr>
+            <p:cNvPr id="21" name="Straight Connector 20">
+              <a:extLst>
+                <a:ext uri="{FF2B5EF4-FFF2-40B4-BE49-F238E27FC236}">
+                  <a16:creationId xmlns:a16="http://schemas.microsoft.com/office/drawing/2014/main" id="{050E9A4F-55AE-45D6-B44E-05A490A6C155}"/>
+                </a:ext>
+                <a:ext uri="{C183D7F6-B498-43B3-948B-1728B52AA6E4}">
+                  <adec:decorative xmlns:adec="http://schemas.microsoft.com/office/drawing/2017/decorative" val="1"/>
+                </a:ext>
+              </a:extLst>
+            </p:cNvPr>
+            <p:cNvCxnSpPr>
+              <a:cxnSpLocks/>
+            </p:cNvCxnSpPr>
+            <p:nvPr>
+              <p:extLst>
+                <p:ext uri="{386F3935-93C4-4BCD-93E2-E3B085C9AB24}">
+                  <p16:designElem xmlns:p16="http://schemas.microsoft.com/office/powerpoint/2015/main" val="1"/>
+                </p:ext>
+              </p:extLst>
+            </p:nvPr>
+          </p:nvCxnSpPr>
+          <p:spPr>
+            <a:xfrm>
+              <a:off x="6092892" y="-1"/>
+              <a:ext cx="0" cy="6858000"/>
+            </a:xfrm>
+            <a:prstGeom prst="line">
+              <a:avLst/>
+            </a:prstGeom>
+            <a:ln w="12700">
+              <a:solidFill>
+                <a:srgbClr val="BCBCBC">
+                  <a:alpha val="29804"/>
+                </a:srgbClr>
+              </a:solidFill>
+              <a:prstDash val="sysDot"/>
+            </a:ln>
+          </p:spPr>
+          <p:style>
+            <a:lnRef idx="1">
+              <a:schemeClr val="accent1"/>
+            </a:lnRef>
+            <a:fillRef idx="0">
+              <a:schemeClr val="accent1"/>
+            </a:fillRef>
+            <a:effectRef idx="0">
+              <a:schemeClr val="accent1"/>
+            </a:effectRef>
+            <a:fontRef idx="minor">
+              <a:schemeClr val="tx1"/>
+            </a:fontRef>
+          </p:style>
+        </p:cxnSp>
+        <p:cxnSp>
+          <p:nvCxnSpPr>
+            <p:cNvPr id="22" name="Straight Connector 21">
+              <a:extLst>
+                <a:ext uri="{FF2B5EF4-FFF2-40B4-BE49-F238E27FC236}">
+                  <a16:creationId xmlns:a16="http://schemas.microsoft.com/office/drawing/2014/main" id="{3D7BBCCD-A1AE-4BFA-80F7-46BE8098AF91}"/>
+                </a:ext>
+                <a:ext uri="{C183D7F6-B498-43B3-948B-1728B52AA6E4}">
+                  <adec:decorative xmlns:adec="http://schemas.microsoft.com/office/drawing/2017/decorative" val="1"/>
+                </a:ext>
+              </a:extLst>
+            </p:cNvPr>
+            <p:cNvCxnSpPr>
+              <a:cxnSpLocks/>
+            </p:cNvCxnSpPr>
+            <p:nvPr>
+              <p:extLst>
+                <p:ext uri="{386F3935-93C4-4BCD-93E2-E3B085C9AB24}">
+                  <p16:designElem xmlns:p16="http://schemas.microsoft.com/office/powerpoint/2015/main" val="1"/>
+                </p:ext>
+              </p:extLst>
+            </p:nvPr>
+          </p:nvCxnSpPr>
+          <p:spPr>
+            <a:xfrm>
+              <a:off x="7076286" y="-1"/>
+              <a:ext cx="0" cy="6858000"/>
+            </a:xfrm>
+            <a:prstGeom prst="line">
+              <a:avLst/>
+            </a:prstGeom>
+            <a:ln w="12700">
+              <a:solidFill>
+                <a:srgbClr val="BCBCBC">
+                  <a:alpha val="29804"/>
+                </a:srgbClr>
+              </a:solidFill>
+              <a:prstDash val="sysDot"/>
+            </a:ln>
+          </p:spPr>
+          <p:style>
+            <a:lnRef idx="1">
+              <a:schemeClr val="accent1"/>
+            </a:lnRef>
+            <a:fillRef idx="0">
+              <a:schemeClr val="accent1"/>
+            </a:fillRef>
+            <a:effectRef idx="0">
+              <a:schemeClr val="accent1"/>
+            </a:effectRef>
+            <a:fontRef idx="minor">
+              <a:schemeClr val="tx1"/>
+            </a:fontRef>
+          </p:style>
+        </p:cxnSp>
+        <p:cxnSp>
+          <p:nvCxnSpPr>
+            <p:cNvPr id="23" name="Straight Connector 22">
+              <a:extLst>
+                <a:ext uri="{FF2B5EF4-FFF2-40B4-BE49-F238E27FC236}">
+                  <a16:creationId xmlns:a16="http://schemas.microsoft.com/office/drawing/2014/main" id="{0F8B2CF2-81C9-4A74-A490-2BD6CD3B1222}"/>
+                </a:ext>
+                <a:ext uri="{C183D7F6-B498-43B3-948B-1728B52AA6E4}">
+                  <adec:decorative xmlns:adec="http://schemas.microsoft.com/office/drawing/2017/decorative" val="1"/>
+                </a:ext>
+              </a:extLst>
+            </p:cNvPr>
+            <p:cNvCxnSpPr>
+              <a:cxnSpLocks/>
+            </p:cNvCxnSpPr>
+            <p:nvPr>
+              <p:extLst>
+                <p:ext uri="{386F3935-93C4-4BCD-93E2-E3B085C9AB24}">
+                  <p16:designElem xmlns:p16="http://schemas.microsoft.com/office/powerpoint/2015/main" val="1"/>
+                </p:ext>
+              </p:extLst>
+            </p:nvPr>
+          </p:nvCxnSpPr>
+          <p:spPr>
+            <a:xfrm>
+              <a:off x="8059680" y="-1"/>
+              <a:ext cx="0" cy="6858000"/>
+            </a:xfrm>
+            <a:prstGeom prst="line">
+              <a:avLst/>
+            </a:prstGeom>
+            <a:ln w="12700">
+              <a:solidFill>
+                <a:srgbClr val="BCBCBC">
+                  <a:alpha val="29804"/>
+                </a:srgbClr>
+              </a:solidFill>
+              <a:prstDash val="sysDot"/>
+            </a:ln>
+          </p:spPr>
+          <p:style>
+            <a:lnRef idx="1">
+              <a:schemeClr val="accent1"/>
+            </a:lnRef>
+            <a:fillRef idx="0">
+              <a:schemeClr val="accent1"/>
+            </a:fillRef>
+            <a:effectRef idx="0">
+              <a:schemeClr val="accent1"/>
+            </a:effectRef>
+            <a:fontRef idx="minor">
+              <a:schemeClr val="tx1"/>
+            </a:fontRef>
+          </p:style>
+        </p:cxnSp>
+        <p:cxnSp>
+          <p:nvCxnSpPr>
+            <p:cNvPr id="24" name="Straight Connector 23">
+              <a:extLst>
+                <a:ext uri="{FF2B5EF4-FFF2-40B4-BE49-F238E27FC236}">
+                  <a16:creationId xmlns:a16="http://schemas.microsoft.com/office/drawing/2014/main" id="{75DCB727-D275-4817-B971-D9BB4F5B712C}"/>
+                </a:ext>
+                <a:ext uri="{C183D7F6-B498-43B3-948B-1728B52AA6E4}">
+                  <adec:decorative xmlns:adec="http://schemas.microsoft.com/office/drawing/2017/decorative" val="1"/>
+                </a:ext>
+              </a:extLst>
+            </p:cNvPr>
+            <p:cNvCxnSpPr>
+              <a:cxnSpLocks/>
+            </p:cNvCxnSpPr>
+            <p:nvPr>
+              <p:extLst>
+                <p:ext uri="{386F3935-93C4-4BCD-93E2-E3B085C9AB24}">
+                  <p16:designElem xmlns:p16="http://schemas.microsoft.com/office/powerpoint/2015/main" val="1"/>
+                </p:ext>
+              </p:extLst>
+            </p:nvPr>
+          </p:nvCxnSpPr>
+          <p:spPr>
+            <a:xfrm>
+              <a:off x="9043074" y="-1"/>
+              <a:ext cx="0" cy="6858000"/>
+            </a:xfrm>
+            <a:prstGeom prst="line">
+              <a:avLst/>
+            </a:prstGeom>
+            <a:ln w="12700">
+              <a:solidFill>
+                <a:srgbClr val="BCBCBC">
+                  <a:alpha val="29804"/>
+                </a:srgbClr>
+              </a:solidFill>
+              <a:prstDash val="sysDot"/>
+            </a:ln>
+          </p:spPr>
+          <p:style>
+            <a:lnRef idx="1">
+              <a:schemeClr val="accent1"/>
+            </a:lnRef>
+            <a:fillRef idx="0">
+              <a:schemeClr val="accent1"/>
+            </a:fillRef>
+            <a:effectRef idx="0">
+              <a:schemeClr val="accent1"/>
+            </a:effectRef>
+            <a:fontRef idx="minor">
+              <a:schemeClr val="tx1"/>
+            </a:fontRef>
+          </p:style>
+        </p:cxnSp>
+        <p:cxnSp>
+          <p:nvCxnSpPr>
+            <p:cNvPr id="25" name="Straight Connector 24">
+              <a:extLst>
+                <a:ext uri="{FF2B5EF4-FFF2-40B4-BE49-F238E27FC236}">
+                  <a16:creationId xmlns:a16="http://schemas.microsoft.com/office/drawing/2014/main" id="{ABA80A43-0A4B-47A9-897D-3250BB7196E7}"/>
+                </a:ext>
+                <a:ext uri="{C183D7F6-B498-43B3-948B-1728B52AA6E4}">
+                  <adec:decorative xmlns:adec="http://schemas.microsoft.com/office/drawing/2017/decorative" val="1"/>
+                </a:ext>
+              </a:extLst>
+            </p:cNvPr>
+            <p:cNvCxnSpPr>
+              <a:cxnSpLocks/>
+            </p:cNvCxnSpPr>
+            <p:nvPr>
+              <p:extLst>
+                <p:ext uri="{386F3935-93C4-4BCD-93E2-E3B085C9AB24}">
+                  <p16:designElem xmlns:p16="http://schemas.microsoft.com/office/powerpoint/2015/main" val="1"/>
+                </p:ext>
+              </p:extLst>
+            </p:nvPr>
+          </p:nvCxnSpPr>
+          <p:spPr>
+            <a:xfrm>
+              <a:off x="10026468" y="-1"/>
+              <a:ext cx="0" cy="6858000"/>
+            </a:xfrm>
+            <a:prstGeom prst="line">
+              <a:avLst/>
+            </a:prstGeom>
+            <a:ln w="12700">
+              <a:solidFill>
+                <a:srgbClr val="BCBCBC">
+                  <a:alpha val="29804"/>
+                </a:srgbClr>
+              </a:solidFill>
+              <a:prstDash val="sysDot"/>
+            </a:ln>
+          </p:spPr>
+          <p:style>
+            <a:lnRef idx="1">
+              <a:schemeClr val="accent1"/>
+            </a:lnRef>
+            <a:fillRef idx="0">
+              <a:schemeClr val="accent1"/>
+            </a:fillRef>
+            <a:effectRef idx="0">
+              <a:schemeClr val="accent1"/>
+            </a:effectRef>
+            <a:fontRef idx="minor">
+              <a:schemeClr val="tx1"/>
+            </a:fontRef>
+          </p:style>
+        </p:cxnSp>
+        <p:cxnSp>
+          <p:nvCxnSpPr>
+            <p:cNvPr id="26" name="Straight Connector 25">
+              <a:extLst>
+                <a:ext uri="{FF2B5EF4-FFF2-40B4-BE49-F238E27FC236}">
+                  <a16:creationId xmlns:a16="http://schemas.microsoft.com/office/drawing/2014/main" id="{7CAC5A38-B877-4D02-9F87-FBB869B59661}"/>
+                </a:ext>
+                <a:ext uri="{C183D7F6-B498-43B3-948B-1728B52AA6E4}">
+                  <adec:decorative xmlns:adec="http://schemas.microsoft.com/office/drawing/2017/decorative" val="1"/>
+                </a:ext>
+              </a:extLst>
+            </p:cNvPr>
+            <p:cNvCxnSpPr>
+              <a:cxnSpLocks/>
+            </p:cNvCxnSpPr>
+            <p:nvPr>
+              <p:extLst>
+                <p:ext uri="{386F3935-93C4-4BCD-93E2-E3B085C9AB24}">
+                  <p16:designElem xmlns:p16="http://schemas.microsoft.com/office/powerpoint/2015/main" val="1"/>
+                </p:ext>
+              </p:extLst>
+            </p:nvPr>
+          </p:nvCxnSpPr>
+          <p:spPr>
+            <a:xfrm>
+              <a:off x="11009862" y="-1"/>
+              <a:ext cx="0" cy="6858000"/>
+            </a:xfrm>
+            <a:prstGeom prst="line">
+              <a:avLst/>
+            </a:prstGeom>
+            <a:ln w="12700">
+              <a:solidFill>
+                <a:srgbClr val="BCBCBC">
+                  <a:alpha val="29804"/>
+                </a:srgbClr>
+              </a:solidFill>
+              <a:prstDash val="sysDot"/>
+            </a:ln>
+          </p:spPr>
+          <p:style>
+            <a:lnRef idx="1">
+              <a:schemeClr val="accent1"/>
+            </a:lnRef>
+            <a:fillRef idx="0">
+              <a:schemeClr val="accent1"/>
+            </a:fillRef>
+            <a:effectRef idx="0">
+              <a:schemeClr val="accent1"/>
+            </a:effectRef>
+            <a:fontRef idx="minor">
+              <a:schemeClr val="tx1"/>
+            </a:fontRef>
+          </p:style>
+        </p:cxnSp>
+        <p:cxnSp>
+          <p:nvCxnSpPr>
+            <p:cNvPr id="27" name="Straight Connector 26">
+              <a:extLst>
+                <a:ext uri="{FF2B5EF4-FFF2-40B4-BE49-F238E27FC236}">
+                  <a16:creationId xmlns:a16="http://schemas.microsoft.com/office/drawing/2014/main" id="{D32F9102-545F-491E-B1B4-2263E5F830EC}"/>
+                </a:ext>
+                <a:ext uri="{C183D7F6-B498-43B3-948B-1728B52AA6E4}">
+                  <adec:decorative xmlns:adec="http://schemas.microsoft.com/office/drawing/2017/decorative" val="1"/>
+                </a:ext>
+              </a:extLst>
+            </p:cNvPr>
+            <p:cNvCxnSpPr>
+              <a:cxnSpLocks/>
+            </p:cNvCxnSpPr>
+            <p:nvPr>
+              <p:extLst>
+                <p:ext uri="{386F3935-93C4-4BCD-93E2-E3B085C9AB24}">
+                  <p16:designElem xmlns:p16="http://schemas.microsoft.com/office/powerpoint/2015/main" val="1"/>
+                </p:ext>
+              </p:extLst>
+            </p:nvPr>
+          </p:nvCxnSpPr>
+          <p:spPr>
+            <a:xfrm>
+              <a:off x="12185786" y="-1"/>
+              <a:ext cx="0" cy="6858000"/>
+            </a:xfrm>
+            <a:prstGeom prst="line">
+              <a:avLst/>
+            </a:prstGeom>
+            <a:ln w="12700">
+              <a:solidFill>
+                <a:srgbClr val="BCBCBC">
+                  <a:alpha val="29804"/>
+                </a:srgbClr>
+              </a:solidFill>
+              <a:prstDash val="sysDot"/>
+            </a:ln>
+          </p:spPr>
+          <p:style>
+            <a:lnRef idx="1">
+              <a:schemeClr val="accent1"/>
+            </a:lnRef>
+            <a:fillRef idx="0">
+              <a:schemeClr val="accent1"/>
+            </a:fillRef>
+            <a:effectRef idx="0">
+              <a:schemeClr val="accent1"/>
+            </a:effectRef>
+            <a:fontRef idx="minor">
+              <a:schemeClr val="tx1"/>
+            </a:fontRef>
+          </p:style>
+        </p:cxnSp>
+        <p:cxnSp>
+          <p:nvCxnSpPr>
+            <p:cNvPr id="28" name="Straight Connector 27">
+              <a:extLst>
+                <a:ext uri="{FF2B5EF4-FFF2-40B4-BE49-F238E27FC236}">
+                  <a16:creationId xmlns:a16="http://schemas.microsoft.com/office/drawing/2014/main" id="{7FE5AF7E-DC93-4AC8-A2E8-757DE86C9F4A}"/>
+                </a:ext>
+                <a:ext uri="{C183D7F6-B498-43B3-948B-1728B52AA6E4}">
+                  <adec:decorative xmlns:adec="http://schemas.microsoft.com/office/drawing/2017/decorative" val="1"/>
+                </a:ext>
+              </a:extLst>
+            </p:cNvPr>
+            <p:cNvCxnSpPr>
+              <a:cxnSpLocks/>
+            </p:cNvCxnSpPr>
+            <p:nvPr>
+              <p:extLst>
+                <p:ext uri="{386F3935-93C4-4BCD-93E2-E3B085C9AB24}">
+                  <p16:designElem xmlns:p16="http://schemas.microsoft.com/office/powerpoint/2015/main" val="1"/>
+                </p:ext>
+              </p:extLst>
+            </p:nvPr>
+          </p:nvCxnSpPr>
+          <p:spPr>
+            <a:xfrm>
+              <a:off x="0" y="171716"/>
+              <a:ext cx="12192000" cy="0"/>
+            </a:xfrm>
+            <a:prstGeom prst="line">
+              <a:avLst/>
+            </a:prstGeom>
+            <a:ln w="12700">
+              <a:solidFill>
+                <a:srgbClr val="BCBCBC">
+                  <a:alpha val="29804"/>
+                </a:srgbClr>
+              </a:solidFill>
+              <a:prstDash val="sysDot"/>
+            </a:ln>
+          </p:spPr>
+          <p:style>
+            <a:lnRef idx="1">
+              <a:schemeClr val="accent1"/>
+            </a:lnRef>
+            <a:fillRef idx="0">
+              <a:schemeClr val="accent1"/>
+            </a:fillRef>
+            <a:effectRef idx="0">
+              <a:schemeClr val="accent1"/>
+            </a:effectRef>
+            <a:fontRef idx="minor">
+              <a:schemeClr val="tx1"/>
+            </a:fontRef>
+          </p:style>
+        </p:cxnSp>
+        <p:cxnSp>
+          <p:nvCxnSpPr>
+            <p:cNvPr id="29" name="Straight Connector 28">
+              <a:extLst>
+                <a:ext uri="{FF2B5EF4-FFF2-40B4-BE49-F238E27FC236}">
+                  <a16:creationId xmlns:a16="http://schemas.microsoft.com/office/drawing/2014/main" id="{E6E45B1B-C6E0-4BEA-B1E7-336F18C6C49A}"/>
+                </a:ext>
+                <a:ext uri="{C183D7F6-B498-43B3-948B-1728B52AA6E4}">
+                  <adec:decorative xmlns:adec="http://schemas.microsoft.com/office/drawing/2017/decorative" val="1"/>
+                </a:ext>
+              </a:extLst>
+            </p:cNvPr>
+            <p:cNvCxnSpPr>
+              <a:cxnSpLocks/>
+            </p:cNvCxnSpPr>
+            <p:nvPr>
+              <p:extLst>
+                <p:ext uri="{386F3935-93C4-4BCD-93E2-E3B085C9AB24}">
+                  <p16:designElem xmlns:p16="http://schemas.microsoft.com/office/powerpoint/2015/main" val="1"/>
+                </p:ext>
+              </p:extLst>
+            </p:nvPr>
+          </p:nvCxnSpPr>
+          <p:spPr>
+            <a:xfrm>
+              <a:off x="0" y="714597"/>
+              <a:ext cx="12192000" cy="0"/>
+            </a:xfrm>
+            <a:prstGeom prst="line">
+              <a:avLst/>
+            </a:prstGeom>
+            <a:ln w="12700">
+              <a:solidFill>
+                <a:srgbClr val="BCBCBC">
+                  <a:alpha val="29804"/>
+                </a:srgbClr>
+              </a:solidFill>
+              <a:prstDash val="sysDot"/>
+            </a:ln>
+          </p:spPr>
+          <p:style>
+            <a:lnRef idx="1">
+              <a:schemeClr val="accent1"/>
+            </a:lnRef>
+            <a:fillRef idx="0">
+              <a:schemeClr val="accent1"/>
+            </a:fillRef>
+            <a:effectRef idx="0">
+              <a:schemeClr val="accent1"/>
+            </a:effectRef>
+            <a:fontRef idx="minor">
+              <a:schemeClr val="tx1"/>
+            </a:fontRef>
+          </p:style>
+        </p:cxnSp>
+        <p:cxnSp>
+          <p:nvCxnSpPr>
+            <p:cNvPr id="30" name="Straight Connector 29">
+              <a:extLst>
+                <a:ext uri="{FF2B5EF4-FFF2-40B4-BE49-F238E27FC236}">
+                  <a16:creationId xmlns:a16="http://schemas.microsoft.com/office/drawing/2014/main" id="{6ACED6DF-BA5E-4A18-83F7-81BAA16C787C}"/>
+                </a:ext>
+                <a:ext uri="{C183D7F6-B498-43B3-948B-1728B52AA6E4}">
+                  <adec:decorative xmlns:adec="http://schemas.microsoft.com/office/drawing/2017/decorative" val="1"/>
+                </a:ext>
+              </a:extLst>
+            </p:cNvPr>
+            <p:cNvCxnSpPr>
+              <a:cxnSpLocks/>
+            </p:cNvCxnSpPr>
+            <p:nvPr>
+              <p:extLst>
+                <p:ext uri="{386F3935-93C4-4BCD-93E2-E3B085C9AB24}">
+                  <p16:designElem xmlns:p16="http://schemas.microsoft.com/office/powerpoint/2015/main" val="1"/>
+                </p:ext>
+              </p:extLst>
+            </p:nvPr>
+          </p:nvCxnSpPr>
+          <p:spPr>
+            <a:xfrm>
+              <a:off x="0" y="1257478"/>
+              <a:ext cx="12192000" cy="0"/>
+            </a:xfrm>
+            <a:prstGeom prst="line">
+              <a:avLst/>
+            </a:prstGeom>
+            <a:ln w="12700">
+              <a:solidFill>
+                <a:srgbClr val="BCBCBC">
+                  <a:alpha val="29804"/>
+                </a:srgbClr>
+              </a:solidFill>
+              <a:prstDash val="sysDot"/>
+            </a:ln>
+          </p:spPr>
+          <p:style>
+            <a:lnRef idx="1">
+              <a:schemeClr val="accent1"/>
+            </a:lnRef>
+            <a:fillRef idx="0">
+              <a:schemeClr val="accent1"/>
+            </a:fillRef>
+            <a:effectRef idx="0">
+              <a:schemeClr val="accent1"/>
+            </a:effectRef>
+            <a:fontRef idx="minor">
+              <a:schemeClr val="tx1"/>
+            </a:fontRef>
+          </p:style>
+        </p:cxnSp>
+        <p:cxnSp>
+          <p:nvCxnSpPr>
+            <p:cNvPr id="31" name="Straight Connector 30">
+              <a:extLst>
+                <a:ext uri="{FF2B5EF4-FFF2-40B4-BE49-F238E27FC236}">
+                  <a16:creationId xmlns:a16="http://schemas.microsoft.com/office/drawing/2014/main" id="{B4C6C403-CCA8-4F3C-B05E-41B2D4D9CB83}"/>
+                </a:ext>
+                <a:ext uri="{C183D7F6-B498-43B3-948B-1728B52AA6E4}">
+                  <adec:decorative xmlns:adec="http://schemas.microsoft.com/office/drawing/2017/decorative" val="1"/>
+                </a:ext>
+              </a:extLst>
+            </p:cNvPr>
+            <p:cNvCxnSpPr>
+              <a:cxnSpLocks/>
+            </p:cNvCxnSpPr>
+            <p:nvPr>
+              <p:extLst>
+                <p:ext uri="{386F3935-93C4-4BCD-93E2-E3B085C9AB24}">
+                  <p16:designElem xmlns:p16="http://schemas.microsoft.com/office/powerpoint/2015/main" val="1"/>
+                </p:ext>
+              </p:extLst>
+            </p:nvPr>
+          </p:nvCxnSpPr>
+          <p:spPr>
+            <a:xfrm>
+              <a:off x="0" y="1800359"/>
+              <a:ext cx="12192000" cy="0"/>
+            </a:xfrm>
+            <a:prstGeom prst="line">
+              <a:avLst/>
+            </a:prstGeom>
+            <a:ln w="12700">
+              <a:solidFill>
+                <a:srgbClr val="BCBCBC">
+                  <a:alpha val="29804"/>
+                </a:srgbClr>
+              </a:solidFill>
+              <a:prstDash val="sysDot"/>
+            </a:ln>
+          </p:spPr>
+          <p:style>
+            <a:lnRef idx="1">
+              <a:schemeClr val="accent1"/>
+            </a:lnRef>
+            <a:fillRef idx="0">
+              <a:schemeClr val="accent1"/>
+            </a:fillRef>
+            <a:effectRef idx="0">
+              <a:schemeClr val="accent1"/>
+            </a:effectRef>
+            <a:fontRef idx="minor">
+              <a:schemeClr val="tx1"/>
+            </a:fontRef>
+          </p:style>
+        </p:cxnSp>
+        <p:cxnSp>
+          <p:nvCxnSpPr>
+            <p:cNvPr id="32" name="Straight Connector 31">
+              <a:extLst>
+                <a:ext uri="{FF2B5EF4-FFF2-40B4-BE49-F238E27FC236}">
+                  <a16:creationId xmlns:a16="http://schemas.microsoft.com/office/drawing/2014/main" id="{51E90276-C421-4004-A8A9-D20FA899B5A4}"/>
+                </a:ext>
+                <a:ext uri="{C183D7F6-B498-43B3-948B-1728B52AA6E4}">
+                  <adec:decorative xmlns:adec="http://schemas.microsoft.com/office/drawing/2017/decorative" val="1"/>
+                </a:ext>
+              </a:extLst>
+            </p:cNvPr>
+            <p:cNvCxnSpPr>
+              <a:cxnSpLocks/>
+            </p:cNvCxnSpPr>
+            <p:nvPr>
+              <p:extLst>
+                <p:ext uri="{386F3935-93C4-4BCD-93E2-E3B085C9AB24}">
+                  <p16:designElem xmlns:p16="http://schemas.microsoft.com/office/powerpoint/2015/main" val="1"/>
+                </p:ext>
+              </p:extLst>
+            </p:nvPr>
+          </p:nvCxnSpPr>
+          <p:spPr>
+            <a:xfrm>
+              <a:off x="0" y="2343240"/>
+              <a:ext cx="12192000" cy="0"/>
+            </a:xfrm>
+            <a:prstGeom prst="line">
+              <a:avLst/>
+            </a:prstGeom>
+            <a:ln w="12700">
+              <a:solidFill>
+                <a:srgbClr val="BCBCBC">
+                  <a:alpha val="29804"/>
+                </a:srgbClr>
+              </a:solidFill>
+              <a:prstDash val="sysDot"/>
+            </a:ln>
+          </p:spPr>
+          <p:style>
+            <a:lnRef idx="1">
+              <a:schemeClr val="accent1"/>
+            </a:lnRef>
+            <a:fillRef idx="0">
+              <a:schemeClr val="accent1"/>
+            </a:fillRef>
+            <a:effectRef idx="0">
+              <a:schemeClr val="accent1"/>
+            </a:effectRef>
+            <a:fontRef idx="minor">
+              <a:schemeClr val="tx1"/>
+            </a:fontRef>
+          </p:style>
+        </p:cxnSp>
+        <p:cxnSp>
+          <p:nvCxnSpPr>
+            <p:cNvPr id="33" name="Straight Connector 32">
+              <a:extLst>
+                <a:ext uri="{FF2B5EF4-FFF2-40B4-BE49-F238E27FC236}">
+                  <a16:creationId xmlns:a16="http://schemas.microsoft.com/office/drawing/2014/main" id="{05363102-1D9A-462A-B5E2-8D3018B9AF5D}"/>
+                </a:ext>
+                <a:ext uri="{C183D7F6-B498-43B3-948B-1728B52AA6E4}">
+                  <adec:decorative xmlns:adec="http://schemas.microsoft.com/office/drawing/2017/decorative" val="1"/>
+                </a:ext>
+              </a:extLst>
+            </p:cNvPr>
+            <p:cNvCxnSpPr>
+              <a:cxnSpLocks/>
+            </p:cNvCxnSpPr>
+            <p:nvPr>
+              <p:extLst>
+                <p:ext uri="{386F3935-93C4-4BCD-93E2-E3B085C9AB24}">
+                  <p16:designElem xmlns:p16="http://schemas.microsoft.com/office/powerpoint/2015/main" val="1"/>
+                </p:ext>
+              </p:extLst>
+            </p:nvPr>
+          </p:nvCxnSpPr>
+          <p:spPr>
+            <a:xfrm>
+              <a:off x="0" y="2886121"/>
+              <a:ext cx="12192000" cy="0"/>
+            </a:xfrm>
+            <a:prstGeom prst="line">
+              <a:avLst/>
+            </a:prstGeom>
+            <a:ln w="12700">
+              <a:solidFill>
+                <a:srgbClr val="BCBCBC">
+                  <a:alpha val="29804"/>
+                </a:srgbClr>
+              </a:solidFill>
+              <a:prstDash val="sysDot"/>
+            </a:ln>
+          </p:spPr>
+          <p:style>
+            <a:lnRef idx="1">
+              <a:schemeClr val="accent1"/>
+            </a:lnRef>
+            <a:fillRef idx="0">
+              <a:schemeClr val="accent1"/>
+            </a:fillRef>
+            <a:effectRef idx="0">
+              <a:schemeClr val="accent1"/>
+            </a:effectRef>
+            <a:fontRef idx="minor">
+              <a:schemeClr val="tx1"/>
+            </a:fontRef>
+          </p:style>
+        </p:cxnSp>
+        <p:cxnSp>
+          <p:nvCxnSpPr>
+            <p:cNvPr id="34" name="Straight Connector 33">
+              <a:extLst>
+                <a:ext uri="{FF2B5EF4-FFF2-40B4-BE49-F238E27FC236}">
+                  <a16:creationId xmlns:a16="http://schemas.microsoft.com/office/drawing/2014/main" id="{B1878078-BE67-48E4-A68A-3803731693FE}"/>
+                </a:ext>
+                <a:ext uri="{C183D7F6-B498-43B3-948B-1728B52AA6E4}">
+                  <adec:decorative xmlns:adec="http://schemas.microsoft.com/office/drawing/2017/decorative" val="1"/>
+                </a:ext>
+              </a:extLst>
+            </p:cNvPr>
+            <p:cNvCxnSpPr>
+              <a:cxnSpLocks/>
+            </p:cNvCxnSpPr>
+            <p:nvPr>
+              <p:extLst>
+                <p:ext uri="{386F3935-93C4-4BCD-93E2-E3B085C9AB24}">
+                  <p16:designElem xmlns:p16="http://schemas.microsoft.com/office/powerpoint/2015/main" val="1"/>
+                </p:ext>
+              </p:extLst>
+            </p:nvPr>
+          </p:nvCxnSpPr>
+          <p:spPr>
+            <a:xfrm>
+              <a:off x="0" y="3429002"/>
+              <a:ext cx="12192000" cy="0"/>
+            </a:xfrm>
+            <a:prstGeom prst="line">
+              <a:avLst/>
+            </a:prstGeom>
+            <a:ln w="12700">
+              <a:solidFill>
+                <a:srgbClr val="BCBCBC">
+                  <a:alpha val="29804"/>
+                </a:srgbClr>
+              </a:solidFill>
+              <a:prstDash val="sysDot"/>
+            </a:ln>
+          </p:spPr>
+          <p:style>
+            <a:lnRef idx="1">
+              <a:schemeClr val="accent1"/>
+            </a:lnRef>
+            <a:fillRef idx="0">
+              <a:schemeClr val="accent1"/>
+            </a:fillRef>
+            <a:effectRef idx="0">
+              <a:schemeClr val="accent1"/>
+            </a:effectRef>
+            <a:fontRef idx="minor">
+              <a:schemeClr val="tx1"/>
+            </a:fontRef>
+          </p:style>
+        </p:cxnSp>
+        <p:cxnSp>
+          <p:nvCxnSpPr>
+            <p:cNvPr id="35" name="Straight Connector 34">
+              <a:extLst>
+                <a:ext uri="{FF2B5EF4-FFF2-40B4-BE49-F238E27FC236}">
+                  <a16:creationId xmlns:a16="http://schemas.microsoft.com/office/drawing/2014/main" id="{3F129970-7AA8-4010-BAA9-250B294119D2}"/>
+                </a:ext>
+                <a:ext uri="{C183D7F6-B498-43B3-948B-1728B52AA6E4}">
+                  <adec:decorative xmlns:adec="http://schemas.microsoft.com/office/drawing/2017/decorative" val="1"/>
+                </a:ext>
+              </a:extLst>
+            </p:cNvPr>
+            <p:cNvCxnSpPr>
+              <a:cxnSpLocks/>
+            </p:cNvCxnSpPr>
+            <p:nvPr>
+              <p:extLst>
+                <p:ext uri="{386F3935-93C4-4BCD-93E2-E3B085C9AB24}">
+                  <p16:designElem xmlns:p16="http://schemas.microsoft.com/office/powerpoint/2015/main" val="1"/>
+                </p:ext>
+              </p:extLst>
+            </p:nvPr>
+          </p:nvCxnSpPr>
+          <p:spPr>
+            <a:xfrm>
+              <a:off x="0" y="3971883"/>
+              <a:ext cx="12192000" cy="0"/>
+            </a:xfrm>
+            <a:prstGeom prst="line">
+              <a:avLst/>
+            </a:prstGeom>
+            <a:ln w="12700">
+              <a:solidFill>
+                <a:srgbClr val="BCBCBC">
+                  <a:alpha val="29804"/>
+                </a:srgbClr>
+              </a:solidFill>
+              <a:prstDash val="sysDot"/>
+            </a:ln>
+          </p:spPr>
+          <p:style>
+            <a:lnRef idx="1">
+              <a:schemeClr val="accent1"/>
+            </a:lnRef>
+            <a:fillRef idx="0">
+              <a:schemeClr val="accent1"/>
+            </a:fillRef>
+            <a:effectRef idx="0">
+              <a:schemeClr val="accent1"/>
+            </a:effectRef>
+            <a:fontRef idx="minor">
+              <a:schemeClr val="tx1"/>
+            </a:fontRef>
+          </p:style>
+        </p:cxnSp>
+        <p:cxnSp>
+          <p:nvCxnSpPr>
+            <p:cNvPr id="36" name="Straight Connector 35">
+              <a:extLst>
+                <a:ext uri="{FF2B5EF4-FFF2-40B4-BE49-F238E27FC236}">
+                  <a16:creationId xmlns:a16="http://schemas.microsoft.com/office/drawing/2014/main" id="{8517EE9A-5ABB-4AAE-B1C1-BC4082C545B1}"/>
+                </a:ext>
+                <a:ext uri="{C183D7F6-B498-43B3-948B-1728B52AA6E4}">
+                  <adec:decorative xmlns:adec="http://schemas.microsoft.com/office/drawing/2017/decorative" val="1"/>
+                </a:ext>
+              </a:extLst>
+            </p:cNvPr>
+            <p:cNvCxnSpPr>
+              <a:cxnSpLocks/>
+            </p:cNvCxnSpPr>
+            <p:nvPr>
+              <p:extLst>
+                <p:ext uri="{386F3935-93C4-4BCD-93E2-E3B085C9AB24}">
+                  <p16:designElem xmlns:p16="http://schemas.microsoft.com/office/powerpoint/2015/main" val="1"/>
+                </p:ext>
+              </p:extLst>
+            </p:nvPr>
+          </p:nvCxnSpPr>
+          <p:spPr>
+            <a:xfrm>
+              <a:off x="0" y="4514764"/>
+              <a:ext cx="12192000" cy="0"/>
+            </a:xfrm>
+            <a:prstGeom prst="line">
+              <a:avLst/>
+            </a:prstGeom>
+            <a:ln w="12700">
+              <a:solidFill>
+                <a:srgbClr val="BCBCBC">
+                  <a:alpha val="29804"/>
+                </a:srgbClr>
+              </a:solidFill>
+              <a:prstDash val="sysDot"/>
+            </a:ln>
+          </p:spPr>
+          <p:style>
+            <a:lnRef idx="1">
+              <a:schemeClr val="accent1"/>
+            </a:lnRef>
+            <a:fillRef idx="0">
+              <a:schemeClr val="accent1"/>
+            </a:fillRef>
+            <a:effectRef idx="0">
+              <a:schemeClr val="accent1"/>
+            </a:effectRef>
+            <a:fontRef idx="minor">
+              <a:schemeClr val="tx1"/>
+            </a:fontRef>
+          </p:style>
+        </p:cxnSp>
+        <p:cxnSp>
+          <p:nvCxnSpPr>
+            <p:cNvPr id="37" name="Straight Connector 36">
+              <a:extLst>
+                <a:ext uri="{FF2B5EF4-FFF2-40B4-BE49-F238E27FC236}">
+                  <a16:creationId xmlns:a16="http://schemas.microsoft.com/office/drawing/2014/main" id="{529B555D-24AD-4FD6-8248-9ED911F7CEF5}"/>
+                </a:ext>
+                <a:ext uri="{C183D7F6-B498-43B3-948B-1728B52AA6E4}">
+                  <adec:decorative xmlns:adec="http://schemas.microsoft.com/office/drawing/2017/decorative" val="1"/>
+                </a:ext>
+              </a:extLst>
+            </p:cNvPr>
+            <p:cNvCxnSpPr>
+              <a:cxnSpLocks/>
+            </p:cNvCxnSpPr>
+            <p:nvPr>
+              <p:extLst>
+                <p:ext uri="{386F3935-93C4-4BCD-93E2-E3B085C9AB24}">
+                  <p16:designElem xmlns:p16="http://schemas.microsoft.com/office/powerpoint/2015/main" val="1"/>
+                </p:ext>
+              </p:extLst>
+            </p:nvPr>
+          </p:nvCxnSpPr>
+          <p:spPr>
+            <a:xfrm>
+              <a:off x="0" y="5057645"/>
+              <a:ext cx="12192000" cy="0"/>
+            </a:xfrm>
+            <a:prstGeom prst="line">
+              <a:avLst/>
+            </a:prstGeom>
+            <a:ln w="12700">
+              <a:solidFill>
+                <a:srgbClr val="BCBCBC">
+                  <a:alpha val="29804"/>
+                </a:srgbClr>
+              </a:solidFill>
+              <a:prstDash val="sysDot"/>
+            </a:ln>
+          </p:spPr>
+          <p:style>
+            <a:lnRef idx="1">
+              <a:schemeClr val="accent1"/>
+            </a:lnRef>
+            <a:fillRef idx="0">
+              <a:schemeClr val="accent1"/>
+            </a:fillRef>
+            <a:effectRef idx="0">
+              <a:schemeClr val="accent1"/>
+            </a:effectRef>
+            <a:fontRef idx="minor">
+              <a:schemeClr val="tx1"/>
+            </a:fontRef>
+          </p:style>
+        </p:cxnSp>
+        <p:cxnSp>
+          <p:nvCxnSpPr>
+            <p:cNvPr id="38" name="Straight Connector 37">
+              <a:extLst>
+                <a:ext uri="{FF2B5EF4-FFF2-40B4-BE49-F238E27FC236}">
+                  <a16:creationId xmlns:a16="http://schemas.microsoft.com/office/drawing/2014/main" id="{13D64E16-87AC-4CE5-866C-6B59AD5F0AAD}"/>
+                </a:ext>
+                <a:ext uri="{C183D7F6-B498-43B3-948B-1728B52AA6E4}">
+                  <adec:decorative xmlns:adec="http://schemas.microsoft.com/office/drawing/2017/decorative" val="1"/>
+                </a:ext>
+              </a:extLst>
+            </p:cNvPr>
+            <p:cNvCxnSpPr>
+              <a:cxnSpLocks/>
+            </p:cNvCxnSpPr>
+            <p:nvPr>
+              <p:extLst>
+                <p:ext uri="{386F3935-93C4-4BCD-93E2-E3B085C9AB24}">
+                  <p16:designElem xmlns:p16="http://schemas.microsoft.com/office/powerpoint/2015/main" val="1"/>
+                </p:ext>
+              </p:extLst>
+            </p:nvPr>
+          </p:nvCxnSpPr>
+          <p:spPr>
+            <a:xfrm>
+              <a:off x="0" y="5600526"/>
+              <a:ext cx="12192000" cy="0"/>
+            </a:xfrm>
+            <a:prstGeom prst="line">
+              <a:avLst/>
+            </a:prstGeom>
+            <a:ln w="12700">
+              <a:solidFill>
+                <a:srgbClr val="BCBCBC">
+                  <a:alpha val="29804"/>
+                </a:srgbClr>
+              </a:solidFill>
+              <a:prstDash val="sysDot"/>
+            </a:ln>
+          </p:spPr>
+          <p:style>
+            <a:lnRef idx="1">
+              <a:schemeClr val="accent1"/>
+            </a:lnRef>
+            <a:fillRef idx="0">
+              <a:schemeClr val="accent1"/>
+            </a:fillRef>
+            <a:effectRef idx="0">
+              <a:schemeClr val="accent1"/>
+            </a:effectRef>
+            <a:fontRef idx="minor">
+              <a:schemeClr val="tx1"/>
+            </a:fontRef>
+          </p:style>
+        </p:cxnSp>
+        <p:cxnSp>
+          <p:nvCxnSpPr>
+            <p:cNvPr id="39" name="Straight Connector 38">
+              <a:extLst>
+                <a:ext uri="{FF2B5EF4-FFF2-40B4-BE49-F238E27FC236}">
+                  <a16:creationId xmlns:a16="http://schemas.microsoft.com/office/drawing/2014/main" id="{5F483F33-5BEF-4FE4-99FF-136332EFB866}"/>
+                </a:ext>
+                <a:ext uri="{C183D7F6-B498-43B3-948B-1728B52AA6E4}">
+                  <adec:decorative xmlns:adec="http://schemas.microsoft.com/office/drawing/2017/decorative" val="1"/>
+                </a:ext>
+              </a:extLst>
+            </p:cNvPr>
+            <p:cNvCxnSpPr>
+              <a:cxnSpLocks/>
+            </p:cNvCxnSpPr>
+            <p:nvPr>
+              <p:extLst>
+                <p:ext uri="{386F3935-93C4-4BCD-93E2-E3B085C9AB24}">
+                  <p16:designElem xmlns:p16="http://schemas.microsoft.com/office/powerpoint/2015/main" val="1"/>
+                </p:ext>
+              </p:extLst>
+            </p:nvPr>
+          </p:nvCxnSpPr>
+          <p:spPr>
+            <a:xfrm>
+              <a:off x="0" y="6857999"/>
+              <a:ext cx="12192000" cy="0"/>
+            </a:xfrm>
+            <a:prstGeom prst="line">
+              <a:avLst/>
+            </a:prstGeom>
+            <a:ln w="12700">
+              <a:solidFill>
+                <a:srgbClr val="BCBCBC">
+                  <a:alpha val="29804"/>
+                </a:srgbClr>
+              </a:solidFill>
+              <a:prstDash val="sysDot"/>
+            </a:ln>
+          </p:spPr>
+          <p:style>
+            <a:lnRef idx="1">
+              <a:schemeClr val="accent1"/>
+            </a:lnRef>
+            <a:fillRef idx="0">
+              <a:schemeClr val="accent1"/>
+            </a:fillRef>
+            <a:effectRef idx="0">
+              <a:schemeClr val="accent1"/>
+            </a:effectRef>
+            <a:fontRef idx="minor">
+              <a:schemeClr val="tx1"/>
+            </a:fontRef>
+          </p:style>
+        </p:cxnSp>
+        <p:cxnSp>
+          <p:nvCxnSpPr>
+            <p:cNvPr id="40" name="Straight Connector 39">
+              <a:extLst>
+                <a:ext uri="{FF2B5EF4-FFF2-40B4-BE49-F238E27FC236}">
+                  <a16:creationId xmlns:a16="http://schemas.microsoft.com/office/drawing/2014/main" id="{84747797-C3EA-43C3-B21A-68EE6961F1B3}"/>
+                </a:ext>
+                <a:ext uri="{C183D7F6-B498-43B3-948B-1728B52AA6E4}">
+                  <adec:decorative xmlns:adec="http://schemas.microsoft.com/office/drawing/2017/decorative" val="1"/>
+                </a:ext>
+              </a:extLst>
+            </p:cNvPr>
+            <p:cNvCxnSpPr>
+              <a:cxnSpLocks/>
+            </p:cNvCxnSpPr>
+            <p:nvPr>
+              <p:extLst>
+                <p:ext uri="{386F3935-93C4-4BCD-93E2-E3B085C9AB24}">
+                  <p16:designElem xmlns:p16="http://schemas.microsoft.com/office/powerpoint/2015/main" val="1"/>
+                </p:ext>
+              </p:extLst>
+            </p:nvPr>
+          </p:nvCxnSpPr>
+          <p:spPr>
+            <a:xfrm>
+              <a:off x="16613" y="6143407"/>
+              <a:ext cx="12192000" cy="0"/>
+            </a:xfrm>
+            <a:prstGeom prst="line">
+              <a:avLst/>
+            </a:prstGeom>
+            <a:ln w="12700">
+              <a:solidFill>
+                <a:srgbClr val="BCBCBC">
+                  <a:alpha val="29804"/>
+                </a:srgbClr>
+              </a:solidFill>
+              <a:prstDash val="sysDot"/>
+            </a:ln>
+          </p:spPr>
+          <p:style>
+            <a:lnRef idx="1">
+              <a:schemeClr val="accent1"/>
+            </a:lnRef>
+            <a:fillRef idx="0">
+              <a:schemeClr val="accent1"/>
+            </a:fillRef>
+            <a:effectRef idx="0">
+              <a:schemeClr val="accent1"/>
+            </a:effectRef>
+            <a:fontRef idx="minor">
+              <a:schemeClr val="tx1"/>
+            </a:fontRef>
+          </p:style>
+        </p:cxnSp>
+        <p:cxnSp>
+          <p:nvCxnSpPr>
+            <p:cNvPr id="41" name="Straight Connector 40">
+              <a:extLst>
+                <a:ext uri="{FF2B5EF4-FFF2-40B4-BE49-F238E27FC236}">
+                  <a16:creationId xmlns:a16="http://schemas.microsoft.com/office/drawing/2014/main" id="{2F36F2F3-4904-4675-9844-8913BAB9FA7B}"/>
+                </a:ext>
+                <a:ext uri="{C183D7F6-B498-43B3-948B-1728B52AA6E4}">
+                  <adec:decorative xmlns:adec="http://schemas.microsoft.com/office/drawing/2017/decorative" val="1"/>
+                </a:ext>
+              </a:extLst>
+            </p:cNvPr>
+            <p:cNvCxnSpPr>
+              <a:cxnSpLocks/>
+            </p:cNvCxnSpPr>
+            <p:nvPr>
+              <p:extLst>
+                <p:ext uri="{386F3935-93C4-4BCD-93E2-E3B085C9AB24}">
+                  <p16:designElem xmlns:p16="http://schemas.microsoft.com/office/powerpoint/2015/main" val="1"/>
+                </p:ext>
+              </p:extLst>
+            </p:nvPr>
+          </p:nvCxnSpPr>
+          <p:spPr>
+            <a:xfrm>
+              <a:off x="684225" y="171716"/>
+              <a:ext cx="0" cy="6511464"/>
+            </a:xfrm>
+            <a:prstGeom prst="line">
+              <a:avLst/>
+            </a:prstGeom>
+            <a:ln w="12700">
+              <a:solidFill>
+                <a:srgbClr val="BCBCBC">
+                  <a:alpha val="29804"/>
+                </a:srgbClr>
+              </a:solidFill>
+              <a:prstDash val="sysDot"/>
+            </a:ln>
+          </p:spPr>
+          <p:style>
+            <a:lnRef idx="1">
+              <a:schemeClr val="accent1"/>
+            </a:lnRef>
+            <a:fillRef idx="0">
+              <a:schemeClr val="accent1"/>
+            </a:fillRef>
+            <a:effectRef idx="0">
+              <a:schemeClr val="accent1"/>
+            </a:effectRef>
+            <a:fontRef idx="minor">
+              <a:schemeClr val="tx1"/>
+            </a:fontRef>
+          </p:style>
+        </p:cxnSp>
+        <p:cxnSp>
+          <p:nvCxnSpPr>
+            <p:cNvPr id="42" name="Straight Connector 41">
+              <a:extLst>
+                <a:ext uri="{FF2B5EF4-FFF2-40B4-BE49-F238E27FC236}">
+                  <a16:creationId xmlns:a16="http://schemas.microsoft.com/office/drawing/2014/main" id="{5E33543B-C412-47F5-A29B-84867FDB8BE6}"/>
+                </a:ext>
+                <a:ext uri="{C183D7F6-B498-43B3-948B-1728B52AA6E4}">
+                  <adec:decorative xmlns:adec="http://schemas.microsoft.com/office/drawing/2017/decorative" val="1"/>
+                </a:ext>
+              </a:extLst>
+            </p:cNvPr>
+            <p:cNvCxnSpPr>
+              <a:cxnSpLocks/>
+            </p:cNvCxnSpPr>
+            <p:nvPr>
+              <p:extLst>
+                <p:ext uri="{386F3935-93C4-4BCD-93E2-E3B085C9AB24}">
+                  <p16:designElem xmlns:p16="http://schemas.microsoft.com/office/powerpoint/2015/main" val="1"/>
+                </p:ext>
+              </p:extLst>
+            </p:nvPr>
+          </p:nvCxnSpPr>
+          <p:spPr>
+            <a:xfrm>
+              <a:off x="11508412" y="173267"/>
+              <a:ext cx="0" cy="6511464"/>
+            </a:xfrm>
+            <a:prstGeom prst="line">
+              <a:avLst/>
+            </a:prstGeom>
+            <a:ln w="12700">
+              <a:solidFill>
+                <a:srgbClr val="BCBCBC">
+                  <a:alpha val="29804"/>
+                </a:srgbClr>
+              </a:solidFill>
+              <a:prstDash val="sysDot"/>
+            </a:ln>
+          </p:spPr>
+          <p:style>
+            <a:lnRef idx="1">
+              <a:schemeClr val="accent1"/>
+            </a:lnRef>
+            <a:fillRef idx="0">
+              <a:schemeClr val="accent1"/>
+            </a:fillRef>
+            <a:effectRef idx="0">
+              <a:schemeClr val="accent1"/>
+            </a:effectRef>
+            <a:fontRef idx="minor">
+              <a:schemeClr val="tx1"/>
+            </a:fontRef>
+          </p:style>
+        </p:cxnSp>
+      </p:grpSp>
+      <p:sp>
+        <p:nvSpPr>
+          <p:cNvPr id="44" name="Flowchart: Document 43">
+            <a:extLst>
+              <a:ext uri="{FF2B5EF4-FFF2-40B4-BE49-F238E27FC236}">
+                <a16:creationId xmlns:a16="http://schemas.microsoft.com/office/drawing/2014/main" id="{D22FBD32-C88A-4C1D-BC76-613A93944B72}"/>
+              </a:ext>
+              <a:ext uri="{C183D7F6-B498-43B3-948B-1728B52AA6E4}">
+                <adec:decorative xmlns:adec="http://schemas.microsoft.com/office/drawing/2017/decorative" val="1"/>
+              </a:ext>
+            </a:extLst>
+          </p:cNvPr>
+          <p:cNvSpPr>
+            <a:spLocks noGrp="1" noRot="1" noChangeAspect="1" noMove="1" noResize="1" noEditPoints="1" noAdjustHandles="1" noChangeArrowheads="1" noChangeShapeType="1" noTextEdit="1"/>
+          </p:cNvSpPr>
+          <p:nvPr>
+            <p:extLst>
+              <p:ext uri="{386F3935-93C4-4BCD-93E2-E3B085C9AB24}">
+                <p16:designElem xmlns:p16="http://schemas.microsoft.com/office/powerpoint/2015/main" val="1"/>
+              </p:ext>
+            </p:extLst>
+          </p:nvPr>
+        </p:nvSpPr>
+        <p:spPr>
+          <a:xfrm rot="16200000">
+            <a:off x="-304804" y="304807"/>
+            <a:ext cx="6858000" cy="6248391"/>
+          </a:xfrm>
+          <a:prstGeom prst="flowChartDocument">
+            <a:avLst/>
+          </a:prstGeom>
+          <a:solidFill>
+            <a:schemeClr val="bg1">
+              <a:alpha val="85000"/>
+            </a:schemeClr>
+          </a:solidFill>
+          <a:ln>
+            <a:noFill/>
+          </a:ln>
+        </p:spPr>
+        <p:style>
+          <a:lnRef idx="2">
+            <a:schemeClr val="accent1">
+              <a:shade val="50000"/>
+            </a:schemeClr>
+          </a:lnRef>
+          <a:fillRef idx="1">
+            <a:schemeClr val="accent1"/>
+          </a:fillRef>
+          <a:effectRef idx="0">
+            <a:schemeClr val="accent1"/>
+          </a:effectRef>
+          <a:fontRef idx="minor">
+            <a:schemeClr val="lt1"/>
+          </a:fontRef>
+        </p:style>
+        <p:txBody>
+          <a:bodyPr wrap="square" rtlCol="0" anchor="ctr">
+            <a:noAutofit/>
+          </a:bodyPr>
+          <a:lstStyle/>
+          <a:p>
+            <a:pPr algn="ctr"/>
+            <a:endParaRPr lang="en-US" dirty="0">
+              <a:solidFill>
+                <a:schemeClr val="bg1"/>
+              </a:solidFill>
+            </a:endParaRPr>
+          </a:p>
+        </p:txBody>
+      </p:sp>
+      <p:sp>
+        <p:nvSpPr>
+          <p:cNvPr id="8" name="Title 7">
+            <a:extLst>
+              <a:ext uri="{FF2B5EF4-FFF2-40B4-BE49-F238E27FC236}">
+                <a16:creationId xmlns:a16="http://schemas.microsoft.com/office/drawing/2014/main" id="{449AF74A-7882-34B0-7128-A6981547B81A}"/>
+              </a:ext>
+            </a:extLst>
+          </p:cNvPr>
+          <p:cNvSpPr>
+            <a:spLocks noGrp="1"/>
+          </p:cNvSpPr>
+          <p:nvPr>
+            <p:ph type="ctrTitle"/>
+          </p:nvPr>
+        </p:nvSpPr>
+        <p:spPr>
+          <a:xfrm>
+            <a:off x="484846" y="232879"/>
+            <a:ext cx="10495904" cy="1021496"/>
+          </a:xfrm>
+        </p:spPr>
+        <p:txBody>
+          <a:bodyPr/>
+          <a:lstStyle/>
+          <a:p>
+            <a:r>
+              <a:rPr lang="nl-NL" dirty="0"/>
+              <a:t>Inhoud</a:t>
+            </a:r>
+          </a:p>
+        </p:txBody>
+      </p:sp>
+      <p:sp>
+        <p:nvSpPr>
+          <p:cNvPr id="10" name="TextBox 9">
+            <a:extLst>
+              <a:ext uri="{FF2B5EF4-FFF2-40B4-BE49-F238E27FC236}">
+                <a16:creationId xmlns:a16="http://schemas.microsoft.com/office/drawing/2014/main" id="{DC63F22A-3FAB-CEC5-0FA3-3C61A7AFBC8F}"/>
+              </a:ext>
+            </a:extLst>
+          </p:cNvPr>
+          <p:cNvSpPr txBox="1"/>
+          <p:nvPr/>
+        </p:nvSpPr>
+        <p:spPr>
+          <a:xfrm>
+            <a:off x="414068" y="1254375"/>
+            <a:ext cx="1716136" cy="2782787"/>
+          </a:xfrm>
+          <a:prstGeom prst="rect">
+            <a:avLst/>
+          </a:prstGeom>
+          <a:noFill/>
+        </p:spPr>
+        <p:txBody>
+          <a:bodyPr wrap="square" rtlCol="0">
+            <a:spAutoFit/>
+          </a:bodyPr>
+          <a:lstStyle/>
+          <a:p>
+            <a:endParaRPr lang="nl-NL" dirty="0"/>
+          </a:p>
+        </p:txBody>
+      </p:sp>
+      <p:sp>
+        <p:nvSpPr>
+          <p:cNvPr id="56" name="TextBox 55">
+            <a:extLst>
+              <a:ext uri="{FF2B5EF4-FFF2-40B4-BE49-F238E27FC236}">
+                <a16:creationId xmlns:a16="http://schemas.microsoft.com/office/drawing/2014/main" id="{FE49175B-5D27-307B-13BA-61F4DEB457BE}"/>
+              </a:ext>
+            </a:extLst>
+          </p:cNvPr>
+          <p:cNvSpPr txBox="1"/>
+          <p:nvPr/>
+        </p:nvSpPr>
+        <p:spPr>
+          <a:xfrm>
+            <a:off x="580535" y="1242800"/>
+            <a:ext cx="3962400" cy="1754326"/>
+          </a:xfrm>
+          <a:prstGeom prst="rect">
+            <a:avLst/>
+          </a:prstGeom>
+          <a:noFill/>
+        </p:spPr>
+        <p:txBody>
+          <a:bodyPr wrap="square" rtlCol="0">
+            <a:spAutoFit/>
+          </a:bodyPr>
+          <a:lstStyle/>
+          <a:p>
+            <a:endParaRPr lang="nl-NL" dirty="0"/>
+          </a:p>
+          <a:p>
+            <a:pPr marL="285750" indent="-285750">
+              <a:buFont typeface="Arial" panose="020B0604020202020204" pitchFamily="34" charset="0"/>
+              <a:buChar char="•"/>
+            </a:pPr>
+            <a:r>
+              <a:rPr lang="nl-NL" dirty="0"/>
+              <a:t>Vorige Oplevering</a:t>
+            </a:r>
+          </a:p>
+          <a:p>
+            <a:endParaRPr lang="nl-NL" dirty="0"/>
+          </a:p>
+          <a:p>
+            <a:pPr marL="285750" indent="-285750">
+              <a:buFont typeface="Arial" panose="020B0604020202020204" pitchFamily="34" charset="0"/>
+              <a:buChar char="•"/>
+            </a:pPr>
+            <a:r>
+              <a:rPr lang="nl-NL" dirty="0"/>
+              <a:t>Website</a:t>
+            </a:r>
+            <a:br>
+              <a:rPr lang="nl-NL" dirty="0"/>
+            </a:br>
+            <a:endParaRPr lang="nl-NL" dirty="0"/>
+          </a:p>
+          <a:p>
+            <a:pPr marL="285750" indent="-285750">
+              <a:buFont typeface="Arial" panose="020B0604020202020204" pitchFamily="34" charset="0"/>
+              <a:buChar char="•"/>
+            </a:pPr>
+            <a:r>
+              <a:rPr lang="nl-NL" dirty="0"/>
+              <a:t>Vragen</a:t>
+            </a:r>
+          </a:p>
+        </p:txBody>
+      </p:sp>
+    </p:spTree>
+    <p:extLst>
+      <p:ext uri="{BB962C8B-B14F-4D97-AF65-F5344CB8AC3E}">
+        <p14:creationId xmlns:p14="http://schemas.microsoft.com/office/powerpoint/2010/main" val="2460476858"/>
+      </p:ext>
+    </p:extLst>
+  </p:cSld>
+  <p:clrMapOvr>
+    <a:masterClrMapping/>
+  </p:clrMapOvr>
+  <mc:AlternateContent xmlns:mc="http://schemas.openxmlformats.org/markup-compatibility/2006" xmlns:p159="http://schemas.microsoft.com/office/powerpoint/2015/09/main">
+    <mc:Choice Requires="p159">
+      <p:transition xmlns:p14="http://schemas.microsoft.com/office/powerpoint/2010/main" spd="slow" p14:dur="2000">
+        <p159:morph option="byChar"/>
+      </p:transition>
+    </mc:Choice>
+    <mc:Fallback xmlns="">
+      <p:transition spd="slow">
+        <p:fade/>
+      </p:transition>
+    </mc:Fallback>
+  </mc:AlternateContent>
+</p:sld>
+</file>
+
+<file path=ppt/slides/slide3.xml><?xml version="1.0" encoding="utf-8"?>
+<p:sld xmlns:a="http://schemas.openxmlformats.org/drawingml/2006/main" xmlns:r="http://schemas.openxmlformats.org/officeDocument/2006/relationships" xmlns:p="http://schemas.openxmlformats.org/presentationml/2006/main">
+  <p:cSld>
+    <p:spTree>
+      <p:nvGrpSpPr>
+        <p:cNvPr id="1" name=""/>
+        <p:cNvGrpSpPr/>
+        <p:nvPr/>
+      </p:nvGrpSpPr>
+      <p:grpSpPr>
+        <a:xfrm>
+          <a:off x="0" y="0"/>
+          <a:ext cx="0" cy="0"/>
+          <a:chOff x="0" y="0"/>
+          <a:chExt cx="0" cy="0"/>
+        </a:xfrm>
+      </p:grpSpPr>
+      <p:pic>
+        <p:nvPicPr>
+          <p:cNvPr id="4" name="Picture 3">
+            <a:extLst>
+              <a:ext uri="{FF2B5EF4-FFF2-40B4-BE49-F238E27FC236}">
+                <a16:creationId xmlns:a16="http://schemas.microsoft.com/office/drawing/2014/main" id="{DE46C96C-B249-8438-B41C-5F8F90F363EB}"/>
+              </a:ext>
+            </a:extLst>
+          </p:cNvPr>
+          <p:cNvPicPr>
+            <a:picLocks noChangeAspect="1"/>
+          </p:cNvPicPr>
+          <p:nvPr/>
+        </p:nvPicPr>
+        <p:blipFill rotWithShape="1">
+          <a:blip r:embed="rId2"/>
+          <a:srcRect t="5493" b="4145"/>
+          <a:stretch/>
+        </p:blipFill>
+        <p:spPr>
+          <a:xfrm rot="20939291">
+            <a:off x="-2473574" y="-2383398"/>
+            <a:ext cx="19692187" cy="11076856"/>
+          </a:xfrm>
+          <a:prstGeom prst="rect">
+            <a:avLst/>
+          </a:prstGeom>
+        </p:spPr>
+      </p:pic>
+      <p:sp>
+        <p:nvSpPr>
+          <p:cNvPr id="2" name="Title 1">
+            <a:extLst>
+              <a:ext uri="{FF2B5EF4-FFF2-40B4-BE49-F238E27FC236}">
+                <a16:creationId xmlns:a16="http://schemas.microsoft.com/office/drawing/2014/main" id="{91B3630E-555C-878D-C10E-FC25C1A0EE1D}"/>
+              </a:ext>
+            </a:extLst>
+          </p:cNvPr>
+          <p:cNvSpPr>
+            <a:spLocks noGrp="1"/>
+          </p:cNvSpPr>
+          <p:nvPr>
+            <p:ph type="title"/>
+          </p:nvPr>
+        </p:nvSpPr>
+        <p:spPr/>
+        <p:txBody>
+          <a:bodyPr/>
+          <a:lstStyle/>
+          <a:p>
+            <a:r>
+              <a:rPr lang="nl-NL" dirty="0">
+                <a:solidFill>
+                  <a:schemeClr val="bg1"/>
+                </a:solidFill>
+              </a:rPr>
+              <a:t>De Website:</a:t>
+            </a:r>
+          </a:p>
+        </p:txBody>
+      </p:sp>
+      <p:pic>
+        <p:nvPicPr>
+          <p:cNvPr id="6" name="Picture 5">
+            <a:hlinkClick r:id="rId3"/>
+            <a:extLst>
+              <a:ext uri="{FF2B5EF4-FFF2-40B4-BE49-F238E27FC236}">
+                <a16:creationId xmlns:a16="http://schemas.microsoft.com/office/drawing/2014/main" id="{4878A0D2-28AC-831F-9F3B-9232BE7BA31B}"/>
+              </a:ext>
+            </a:extLst>
+          </p:cNvPr>
+          <p:cNvPicPr>
+            <a:picLocks noChangeAspect="1"/>
+          </p:cNvPicPr>
+          <p:nvPr/>
+        </p:nvPicPr>
+        <p:blipFill>
+          <a:blip r:embed="rId4"/>
+          <a:stretch>
+            <a:fillRect/>
+          </a:stretch>
+        </p:blipFill>
+        <p:spPr>
+          <a:xfrm>
+            <a:off x="691079" y="2168414"/>
+            <a:ext cx="10093516" cy="5001956"/>
+          </a:xfrm>
+          <a:prstGeom prst="rect">
+            <a:avLst/>
+          </a:prstGeom>
+        </p:spPr>
+      </p:pic>
+    </p:spTree>
+    <p:extLst>
+      <p:ext uri="{BB962C8B-B14F-4D97-AF65-F5344CB8AC3E}">
+        <p14:creationId xmlns:p14="http://schemas.microsoft.com/office/powerpoint/2010/main" val="347195536"/>
+      </p:ext>
+    </p:extLst>
+  </p:cSld>
+  <p:clrMapOvr>
+    <a:masterClrMapping/>
+  </p:clrMapOvr>
+  <mc:AlternateContent xmlns:mc="http://schemas.openxmlformats.org/markup-compatibility/2006" xmlns:p159="http://schemas.microsoft.com/office/powerpoint/2015/09/main">
+    <mc:Choice Requires="p159">
+      <p:transition xmlns:p14="http://schemas.microsoft.com/office/powerpoint/2010/main" spd="slow" p14:dur="2000">
+        <p159:morph option="byChar"/>
+      </p:transition>
+    </mc:Choice>
+    <mc:Fallback xmlns="">
+      <p:transition spd="slow">
+        <p:fade/>
+      </p:transition>
+    </mc:Fallback>
+  </mc:AlternateContent>
+</p:sld>
+</file>
+
+<file path=ppt/slides/slide4.xml><?xml version="1.0" encoding="utf-8"?>
+<p:sld xmlns:a="http://schemas.openxmlformats.org/drawingml/2006/main" xmlns:r="http://schemas.openxmlformats.org/officeDocument/2006/relationships" xmlns:p="http://schemas.openxmlformats.org/presentationml/2006/main">
+  <p:cSld>
     <p:spTree>
       <p:nvGrpSpPr>
         <p:cNvPr id="1" name=""/>
@@ -17475,2211 +19680,6 @@
       </p:transition>
     </mc:Choice>
     <mc:Fallback xmlns="">
-      <p:transition spd="slow">
-        <p:fade/>
-      </p:transition>
-    </mc:Fallback>
-  </mc:AlternateContent>
-</p:sld>
-</file>
-
-<file path=ppt/slides/slide3.xml><?xml version="1.0" encoding="utf-8"?>
-<p:sld xmlns:a="http://schemas.openxmlformats.org/drawingml/2006/main" xmlns:r="http://schemas.openxmlformats.org/officeDocument/2006/relationships" xmlns:p="http://schemas.openxmlformats.org/presentationml/2006/main">
-  <p:cSld>
-    <p:bg>
-      <p:bgPr>
-        <a:solidFill>
-          <a:schemeClr val="bg1"/>
-        </a:solidFill>
-        <a:effectLst/>
-      </p:bgPr>
-    </p:bg>
-    <p:spTree>
-      <p:nvGrpSpPr>
-        <p:cNvPr id="1" name=""/>
-        <p:cNvGrpSpPr/>
-        <p:nvPr/>
-      </p:nvGrpSpPr>
-      <p:grpSpPr>
-        <a:xfrm>
-          <a:off x="0" y="0"/>
-          <a:ext cx="0" cy="0"/>
-          <a:chOff x="0" y="0"/>
-          <a:chExt cx="0" cy="0"/>
-        </a:xfrm>
-      </p:grpSpPr>
-      <p:sp useBgFill="1">
-        <p:nvSpPr>
-          <p:cNvPr id="9" name="Rectangle 8">
-            <a:extLst>
-              <a:ext uri="{FF2B5EF4-FFF2-40B4-BE49-F238E27FC236}">
-                <a16:creationId xmlns:a16="http://schemas.microsoft.com/office/drawing/2014/main" id="{4E1EF4E8-5513-4BF5-BC41-04645281C672}"/>
-              </a:ext>
-              <a:ext uri="{C183D7F6-B498-43B3-948B-1728B52AA6E4}">
-                <adec:decorative xmlns:adec="http://schemas.microsoft.com/office/drawing/2017/decorative" val="1"/>
-              </a:ext>
-            </a:extLst>
-          </p:cNvPr>
-          <p:cNvSpPr>
-            <a:spLocks noGrp="1" noRot="1" noChangeAspect="1" noMove="1" noResize="1" noEditPoints="1" noAdjustHandles="1" noChangeArrowheads="1" noChangeShapeType="1" noTextEdit="1"/>
-          </p:cNvSpPr>
-          <p:nvPr>
-            <p:extLst>
-              <p:ext uri="{386F3935-93C4-4BCD-93E2-E3B085C9AB24}">
-                <p16:designElem xmlns:p16="http://schemas.microsoft.com/office/powerpoint/2015/main" val="1"/>
-              </p:ext>
-            </p:extLst>
-          </p:nvPr>
-        </p:nvSpPr>
-        <p:spPr>
-          <a:xfrm>
-            <a:off x="0" y="0"/>
-            <a:ext cx="12192000" cy="6858000"/>
-          </a:xfrm>
-          <a:prstGeom prst="rect">
-            <a:avLst/>
-          </a:prstGeom>
-          <a:ln w="3848" cap="flat">
-            <a:noFill/>
-            <a:prstDash val="solid"/>
-            <a:miter/>
-          </a:ln>
-          <a:effectLst/>
-        </p:spPr>
-        <p:txBody>
-          <a:bodyPr rtlCol="0" anchor="ctr"/>
-          <a:lstStyle/>
-          <a:p>
-            <a:endParaRPr lang="en-US" dirty="0">
-              <a:solidFill>
-                <a:schemeClr val="tx1"/>
-              </a:solidFill>
-            </a:endParaRPr>
-          </a:p>
-        </p:txBody>
-      </p:sp>
-      <p:pic>
-        <p:nvPicPr>
-          <p:cNvPr id="4" name="Picture 3">
-            <a:extLst>
-              <a:ext uri="{FF2B5EF4-FFF2-40B4-BE49-F238E27FC236}">
-                <a16:creationId xmlns:a16="http://schemas.microsoft.com/office/drawing/2014/main" id="{D64424B1-96A4-6AC9-76CA-577051712DAA}"/>
-              </a:ext>
-            </a:extLst>
-          </p:cNvPr>
-          <p:cNvPicPr>
-            <a:picLocks noChangeAspect="1"/>
-          </p:cNvPicPr>
-          <p:nvPr/>
-        </p:nvPicPr>
-        <p:blipFill rotWithShape="1">
-          <a:blip r:embed="rId3"/>
-          <a:srcRect t="5493" b="4145"/>
-          <a:stretch/>
-        </p:blipFill>
-        <p:spPr>
-          <a:xfrm>
-            <a:off x="-470470" y="-2004409"/>
-            <a:ext cx="16216920" cy="9122018"/>
-          </a:xfrm>
-          <a:prstGeom prst="rect">
-            <a:avLst/>
-          </a:prstGeom>
-        </p:spPr>
-      </p:pic>
-      <p:grpSp>
-        <p:nvGrpSpPr>
-          <p:cNvPr id="11" name="Group 10">
-            <a:extLst>
-              <a:ext uri="{FF2B5EF4-FFF2-40B4-BE49-F238E27FC236}">
-                <a16:creationId xmlns:a16="http://schemas.microsoft.com/office/drawing/2014/main" id="{386FCB15-7F30-4453-B0F7-4BEB5EB6FB31}"/>
-              </a:ext>
-              <a:ext uri="{C183D7F6-B498-43B3-948B-1728B52AA6E4}">
-                <adec:decorative xmlns:adec="http://schemas.microsoft.com/office/drawing/2017/decorative" val="1"/>
-              </a:ext>
-            </a:extLst>
-          </p:cNvPr>
-          <p:cNvGrpSpPr>
-            <a:grpSpLocks noGrp="1" noUngrp="1" noRot="1" noChangeAspect="1" noMove="1" noResize="1"/>
-          </p:cNvGrpSpPr>
-          <p:nvPr>
-            <p:extLst>
-              <p:ext uri="{386F3935-93C4-4BCD-93E2-E3B085C9AB24}">
-                <p16:designElem xmlns:p16="http://schemas.microsoft.com/office/powerpoint/2015/main" val="1"/>
-              </p:ext>
-            </p:extLst>
-          </p:nvPr>
-        </p:nvGrpSpPr>
-        <p:grpSpPr>
-          <a:xfrm>
-            <a:off x="-6214" y="-1"/>
-            <a:ext cx="12214827" cy="6858000"/>
-            <a:chOff x="-6214" y="-1"/>
-            <a:chExt cx="12214827" cy="6858000"/>
-          </a:xfrm>
-        </p:grpSpPr>
-        <p:cxnSp>
-          <p:nvCxnSpPr>
-            <p:cNvPr id="12" name="Straight Connector 11">
-              <a:extLst>
-                <a:ext uri="{FF2B5EF4-FFF2-40B4-BE49-F238E27FC236}">
-                  <a16:creationId xmlns:a16="http://schemas.microsoft.com/office/drawing/2014/main" id="{0E7FF6A1-5529-4745-8840-FDFB9CF23557}"/>
-                </a:ext>
-                <a:ext uri="{C183D7F6-B498-43B3-948B-1728B52AA6E4}">
-                  <adec:decorative xmlns:adec="http://schemas.microsoft.com/office/drawing/2017/decorative" val="1"/>
-                </a:ext>
-              </a:extLst>
-            </p:cNvPr>
-            <p:cNvCxnSpPr>
-              <a:cxnSpLocks/>
-            </p:cNvCxnSpPr>
-            <p:nvPr>
-              <p:extLst>
-                <p:ext uri="{386F3935-93C4-4BCD-93E2-E3B085C9AB24}">
-                  <p16:designElem xmlns:p16="http://schemas.microsoft.com/office/powerpoint/2015/main" val="1"/>
-                </p:ext>
-              </p:extLst>
-            </p:nvPr>
-          </p:nvCxnSpPr>
-          <p:spPr>
-            <a:xfrm>
-              <a:off x="-6214" y="6686283"/>
-              <a:ext cx="12192000" cy="0"/>
-            </a:xfrm>
-            <a:prstGeom prst="line">
-              <a:avLst/>
-            </a:prstGeom>
-            <a:ln w="12700">
-              <a:solidFill>
-                <a:srgbClr val="BCBCBC">
-                  <a:alpha val="29804"/>
-                </a:srgbClr>
-              </a:solidFill>
-              <a:prstDash val="sysDot"/>
-            </a:ln>
-          </p:spPr>
-          <p:style>
-            <a:lnRef idx="1">
-              <a:schemeClr val="accent1"/>
-            </a:lnRef>
-            <a:fillRef idx="0">
-              <a:schemeClr val="accent1"/>
-            </a:fillRef>
-            <a:effectRef idx="0">
-              <a:schemeClr val="accent1"/>
-            </a:effectRef>
-            <a:fontRef idx="minor">
-              <a:schemeClr val="tx1"/>
-            </a:fontRef>
-          </p:style>
-        </p:cxnSp>
-        <p:cxnSp>
-          <p:nvCxnSpPr>
-            <p:cNvPr id="13" name="Straight Connector 12">
-              <a:extLst>
-                <a:ext uri="{FF2B5EF4-FFF2-40B4-BE49-F238E27FC236}">
-                  <a16:creationId xmlns:a16="http://schemas.microsoft.com/office/drawing/2014/main" id="{73D5344A-2D09-4646-B218-0884CAAAEA84}"/>
-                </a:ext>
-                <a:ext uri="{C183D7F6-B498-43B3-948B-1728B52AA6E4}">
-                  <adec:decorative xmlns:adec="http://schemas.microsoft.com/office/drawing/2017/decorative" val="1"/>
-                </a:ext>
-              </a:extLst>
-            </p:cNvPr>
-            <p:cNvCxnSpPr>
-              <a:cxnSpLocks/>
-            </p:cNvCxnSpPr>
-            <p:nvPr>
-              <p:extLst>
-                <p:ext uri="{386F3935-93C4-4BCD-93E2-E3B085C9AB24}">
-                  <p16:designElem xmlns:p16="http://schemas.microsoft.com/office/powerpoint/2015/main" val="1"/>
-                </p:ext>
-              </p:extLst>
-            </p:nvPr>
-          </p:nvCxnSpPr>
-          <p:spPr>
-            <a:xfrm>
-              <a:off x="0" y="-1"/>
-              <a:ext cx="0" cy="6858000"/>
-            </a:xfrm>
-            <a:prstGeom prst="line">
-              <a:avLst/>
-            </a:prstGeom>
-            <a:ln w="12700">
-              <a:solidFill>
-                <a:srgbClr val="BCBCBC">
-                  <a:alpha val="29804"/>
-                </a:srgbClr>
-              </a:solidFill>
-              <a:prstDash val="sysDot"/>
-            </a:ln>
-          </p:spPr>
-          <p:style>
-            <a:lnRef idx="1">
-              <a:schemeClr val="accent1"/>
-            </a:lnRef>
-            <a:fillRef idx="0">
-              <a:schemeClr val="accent1"/>
-            </a:fillRef>
-            <a:effectRef idx="0">
-              <a:schemeClr val="accent1"/>
-            </a:effectRef>
-            <a:fontRef idx="minor">
-              <a:schemeClr val="tx1"/>
-            </a:fontRef>
-          </p:style>
-        </p:cxnSp>
-        <p:cxnSp>
-          <p:nvCxnSpPr>
-            <p:cNvPr id="14" name="Straight Connector 13">
-              <a:extLst>
-                <a:ext uri="{FF2B5EF4-FFF2-40B4-BE49-F238E27FC236}">
-                  <a16:creationId xmlns:a16="http://schemas.microsoft.com/office/drawing/2014/main" id="{088AA05E-54CF-40DF-89D5-6E191DC0A61A}"/>
-                </a:ext>
-                <a:ext uri="{C183D7F6-B498-43B3-948B-1728B52AA6E4}">
-                  <adec:decorative xmlns:adec="http://schemas.microsoft.com/office/drawing/2017/decorative" val="1"/>
-                </a:ext>
-              </a:extLst>
-            </p:cNvPr>
-            <p:cNvCxnSpPr>
-              <a:cxnSpLocks/>
-            </p:cNvCxnSpPr>
-            <p:nvPr>
-              <p:extLst>
-                <p:ext uri="{386F3935-93C4-4BCD-93E2-E3B085C9AB24}">
-                  <p16:designElem xmlns:p16="http://schemas.microsoft.com/office/powerpoint/2015/main" val="1"/>
-                </p:ext>
-              </p:extLst>
-            </p:nvPr>
-          </p:nvCxnSpPr>
-          <p:spPr>
-            <a:xfrm>
-              <a:off x="11993258" y="-1"/>
-              <a:ext cx="0" cy="6858000"/>
-            </a:xfrm>
-            <a:prstGeom prst="line">
-              <a:avLst/>
-            </a:prstGeom>
-            <a:ln w="12700">
-              <a:solidFill>
-                <a:srgbClr val="BCBCBC">
-                  <a:alpha val="29804"/>
-                </a:srgbClr>
-              </a:solidFill>
-              <a:prstDash val="sysDot"/>
-            </a:ln>
-          </p:spPr>
-          <p:style>
-            <a:lnRef idx="1">
-              <a:schemeClr val="accent1"/>
-            </a:lnRef>
-            <a:fillRef idx="0">
-              <a:schemeClr val="accent1"/>
-            </a:fillRef>
-            <a:effectRef idx="0">
-              <a:schemeClr val="accent1"/>
-            </a:effectRef>
-            <a:fontRef idx="minor">
-              <a:schemeClr val="tx1"/>
-            </a:fontRef>
-          </p:style>
-        </p:cxnSp>
-        <p:cxnSp>
-          <p:nvCxnSpPr>
-            <p:cNvPr id="15" name="Straight Connector 14">
-              <a:extLst>
-                <a:ext uri="{FF2B5EF4-FFF2-40B4-BE49-F238E27FC236}">
-                  <a16:creationId xmlns:a16="http://schemas.microsoft.com/office/drawing/2014/main" id="{646F284F-3157-49A5-8DA6-BF205C574AD6}"/>
-                </a:ext>
-                <a:ext uri="{C183D7F6-B498-43B3-948B-1728B52AA6E4}">
-                  <adec:decorative xmlns:adec="http://schemas.microsoft.com/office/drawing/2017/decorative" val="1"/>
-                </a:ext>
-              </a:extLst>
-            </p:cNvPr>
-            <p:cNvCxnSpPr>
-              <a:cxnSpLocks/>
-            </p:cNvCxnSpPr>
-            <p:nvPr>
-              <p:extLst>
-                <p:ext uri="{386F3935-93C4-4BCD-93E2-E3B085C9AB24}">
-                  <p16:designElem xmlns:p16="http://schemas.microsoft.com/office/powerpoint/2015/main" val="1"/>
-                </p:ext>
-              </p:extLst>
-            </p:nvPr>
-          </p:nvCxnSpPr>
-          <p:spPr>
-            <a:xfrm>
-              <a:off x="192528" y="-1"/>
-              <a:ext cx="0" cy="6858000"/>
-            </a:xfrm>
-            <a:prstGeom prst="line">
-              <a:avLst/>
-            </a:prstGeom>
-            <a:ln w="12700">
-              <a:solidFill>
-                <a:srgbClr val="BCBCBC">
-                  <a:alpha val="29804"/>
-                </a:srgbClr>
-              </a:solidFill>
-              <a:prstDash val="sysDot"/>
-            </a:ln>
-          </p:spPr>
-          <p:style>
-            <a:lnRef idx="1">
-              <a:schemeClr val="accent1"/>
-            </a:lnRef>
-            <a:fillRef idx="0">
-              <a:schemeClr val="accent1"/>
-            </a:fillRef>
-            <a:effectRef idx="0">
-              <a:schemeClr val="accent1"/>
-            </a:effectRef>
-            <a:fontRef idx="minor">
-              <a:schemeClr val="tx1"/>
-            </a:fontRef>
-          </p:style>
-        </p:cxnSp>
-        <p:cxnSp>
-          <p:nvCxnSpPr>
-            <p:cNvPr id="16" name="Straight Connector 15">
-              <a:extLst>
-                <a:ext uri="{FF2B5EF4-FFF2-40B4-BE49-F238E27FC236}">
-                  <a16:creationId xmlns:a16="http://schemas.microsoft.com/office/drawing/2014/main" id="{C5751065-B160-4925-846B-A6D58884070C}"/>
-                </a:ext>
-                <a:ext uri="{C183D7F6-B498-43B3-948B-1728B52AA6E4}">
-                  <adec:decorative xmlns:adec="http://schemas.microsoft.com/office/drawing/2017/decorative" val="1"/>
-                </a:ext>
-              </a:extLst>
-            </p:cNvPr>
-            <p:cNvCxnSpPr>
-              <a:cxnSpLocks/>
-            </p:cNvCxnSpPr>
-            <p:nvPr>
-              <p:extLst>
-                <p:ext uri="{386F3935-93C4-4BCD-93E2-E3B085C9AB24}">
-                  <p16:designElem xmlns:p16="http://schemas.microsoft.com/office/powerpoint/2015/main" val="1"/>
-                </p:ext>
-              </p:extLst>
-            </p:nvPr>
-          </p:nvCxnSpPr>
-          <p:spPr>
-            <a:xfrm>
-              <a:off x="1175922" y="-1"/>
-              <a:ext cx="0" cy="6858000"/>
-            </a:xfrm>
-            <a:prstGeom prst="line">
-              <a:avLst/>
-            </a:prstGeom>
-            <a:ln w="12700">
-              <a:solidFill>
-                <a:srgbClr val="BCBCBC">
-                  <a:alpha val="29804"/>
-                </a:srgbClr>
-              </a:solidFill>
-              <a:prstDash val="sysDot"/>
-            </a:ln>
-          </p:spPr>
-          <p:style>
-            <a:lnRef idx="1">
-              <a:schemeClr val="accent1"/>
-            </a:lnRef>
-            <a:fillRef idx="0">
-              <a:schemeClr val="accent1"/>
-            </a:fillRef>
-            <a:effectRef idx="0">
-              <a:schemeClr val="accent1"/>
-            </a:effectRef>
-            <a:fontRef idx="minor">
-              <a:schemeClr val="tx1"/>
-            </a:fontRef>
-          </p:style>
-        </p:cxnSp>
-        <p:cxnSp>
-          <p:nvCxnSpPr>
-            <p:cNvPr id="17" name="Straight Connector 16">
-              <a:extLst>
-                <a:ext uri="{FF2B5EF4-FFF2-40B4-BE49-F238E27FC236}">
-                  <a16:creationId xmlns:a16="http://schemas.microsoft.com/office/drawing/2014/main" id="{24E1489A-F3EF-42BF-84CB-6BB9203D6C51}"/>
-                </a:ext>
-                <a:ext uri="{C183D7F6-B498-43B3-948B-1728B52AA6E4}">
-                  <adec:decorative xmlns:adec="http://schemas.microsoft.com/office/drawing/2017/decorative" val="1"/>
-                </a:ext>
-              </a:extLst>
-            </p:cNvPr>
-            <p:cNvCxnSpPr>
-              <a:cxnSpLocks/>
-            </p:cNvCxnSpPr>
-            <p:nvPr>
-              <p:extLst>
-                <p:ext uri="{386F3935-93C4-4BCD-93E2-E3B085C9AB24}">
-                  <p16:designElem xmlns:p16="http://schemas.microsoft.com/office/powerpoint/2015/main" val="1"/>
-                </p:ext>
-              </p:extLst>
-            </p:nvPr>
-          </p:nvCxnSpPr>
-          <p:spPr>
-            <a:xfrm>
-              <a:off x="2159316" y="-1"/>
-              <a:ext cx="0" cy="6858000"/>
-            </a:xfrm>
-            <a:prstGeom prst="line">
-              <a:avLst/>
-            </a:prstGeom>
-            <a:ln w="12700">
-              <a:solidFill>
-                <a:srgbClr val="BCBCBC">
-                  <a:alpha val="29804"/>
-                </a:srgbClr>
-              </a:solidFill>
-              <a:prstDash val="sysDot"/>
-            </a:ln>
-          </p:spPr>
-          <p:style>
-            <a:lnRef idx="1">
-              <a:schemeClr val="accent1"/>
-            </a:lnRef>
-            <a:fillRef idx="0">
-              <a:schemeClr val="accent1"/>
-            </a:fillRef>
-            <a:effectRef idx="0">
-              <a:schemeClr val="accent1"/>
-            </a:effectRef>
-            <a:fontRef idx="minor">
-              <a:schemeClr val="tx1"/>
-            </a:fontRef>
-          </p:style>
-        </p:cxnSp>
-        <p:cxnSp>
-          <p:nvCxnSpPr>
-            <p:cNvPr id="18" name="Straight Connector 17">
-              <a:extLst>
-                <a:ext uri="{FF2B5EF4-FFF2-40B4-BE49-F238E27FC236}">
-                  <a16:creationId xmlns:a16="http://schemas.microsoft.com/office/drawing/2014/main" id="{F138BC36-8129-4866-9D4A-F966FB5924BE}"/>
-                </a:ext>
-                <a:ext uri="{C183D7F6-B498-43B3-948B-1728B52AA6E4}">
-                  <adec:decorative xmlns:adec="http://schemas.microsoft.com/office/drawing/2017/decorative" val="1"/>
-                </a:ext>
-              </a:extLst>
-            </p:cNvPr>
-            <p:cNvCxnSpPr>
-              <a:cxnSpLocks/>
-            </p:cNvCxnSpPr>
-            <p:nvPr>
-              <p:extLst>
-                <p:ext uri="{386F3935-93C4-4BCD-93E2-E3B085C9AB24}">
-                  <p16:designElem xmlns:p16="http://schemas.microsoft.com/office/powerpoint/2015/main" val="1"/>
-                </p:ext>
-              </p:extLst>
-            </p:nvPr>
-          </p:nvCxnSpPr>
-          <p:spPr>
-            <a:xfrm>
-              <a:off x="3142710" y="-1"/>
-              <a:ext cx="0" cy="6858000"/>
-            </a:xfrm>
-            <a:prstGeom prst="line">
-              <a:avLst/>
-            </a:prstGeom>
-            <a:ln w="12700">
-              <a:solidFill>
-                <a:srgbClr val="BCBCBC">
-                  <a:alpha val="29804"/>
-                </a:srgbClr>
-              </a:solidFill>
-              <a:prstDash val="sysDot"/>
-            </a:ln>
-          </p:spPr>
-          <p:style>
-            <a:lnRef idx="1">
-              <a:schemeClr val="accent1"/>
-            </a:lnRef>
-            <a:fillRef idx="0">
-              <a:schemeClr val="accent1"/>
-            </a:fillRef>
-            <a:effectRef idx="0">
-              <a:schemeClr val="accent1"/>
-            </a:effectRef>
-            <a:fontRef idx="minor">
-              <a:schemeClr val="tx1"/>
-            </a:fontRef>
-          </p:style>
-        </p:cxnSp>
-        <p:cxnSp>
-          <p:nvCxnSpPr>
-            <p:cNvPr id="19" name="Straight Connector 18">
-              <a:extLst>
-                <a:ext uri="{FF2B5EF4-FFF2-40B4-BE49-F238E27FC236}">
-                  <a16:creationId xmlns:a16="http://schemas.microsoft.com/office/drawing/2014/main" id="{8F2BC849-BEF7-4E50-9A60-48119FBD15D1}"/>
-                </a:ext>
-                <a:ext uri="{C183D7F6-B498-43B3-948B-1728B52AA6E4}">
-                  <adec:decorative xmlns:adec="http://schemas.microsoft.com/office/drawing/2017/decorative" val="1"/>
-                </a:ext>
-              </a:extLst>
-            </p:cNvPr>
-            <p:cNvCxnSpPr>
-              <a:cxnSpLocks/>
-            </p:cNvCxnSpPr>
-            <p:nvPr>
-              <p:extLst>
-                <p:ext uri="{386F3935-93C4-4BCD-93E2-E3B085C9AB24}">
-                  <p16:designElem xmlns:p16="http://schemas.microsoft.com/office/powerpoint/2015/main" val="1"/>
-                </p:ext>
-              </p:extLst>
-            </p:nvPr>
-          </p:nvCxnSpPr>
-          <p:spPr>
-            <a:xfrm>
-              <a:off x="4126104" y="-1"/>
-              <a:ext cx="0" cy="6858000"/>
-            </a:xfrm>
-            <a:prstGeom prst="line">
-              <a:avLst/>
-            </a:prstGeom>
-            <a:ln w="12700">
-              <a:solidFill>
-                <a:srgbClr val="BCBCBC">
-                  <a:alpha val="29804"/>
-                </a:srgbClr>
-              </a:solidFill>
-              <a:prstDash val="sysDot"/>
-            </a:ln>
-          </p:spPr>
-          <p:style>
-            <a:lnRef idx="1">
-              <a:schemeClr val="accent1"/>
-            </a:lnRef>
-            <a:fillRef idx="0">
-              <a:schemeClr val="accent1"/>
-            </a:fillRef>
-            <a:effectRef idx="0">
-              <a:schemeClr val="accent1"/>
-            </a:effectRef>
-            <a:fontRef idx="minor">
-              <a:schemeClr val="tx1"/>
-            </a:fontRef>
-          </p:style>
-        </p:cxnSp>
-        <p:cxnSp>
-          <p:nvCxnSpPr>
-            <p:cNvPr id="20" name="Straight Connector 19">
-              <a:extLst>
-                <a:ext uri="{FF2B5EF4-FFF2-40B4-BE49-F238E27FC236}">
-                  <a16:creationId xmlns:a16="http://schemas.microsoft.com/office/drawing/2014/main" id="{7DCB4417-C230-4602-AB86-2269C3EA141B}"/>
-                </a:ext>
-                <a:ext uri="{C183D7F6-B498-43B3-948B-1728B52AA6E4}">
-                  <adec:decorative xmlns:adec="http://schemas.microsoft.com/office/drawing/2017/decorative" val="1"/>
-                </a:ext>
-              </a:extLst>
-            </p:cNvPr>
-            <p:cNvCxnSpPr>
-              <a:cxnSpLocks/>
-            </p:cNvCxnSpPr>
-            <p:nvPr>
-              <p:extLst>
-                <p:ext uri="{386F3935-93C4-4BCD-93E2-E3B085C9AB24}">
-                  <p16:designElem xmlns:p16="http://schemas.microsoft.com/office/powerpoint/2015/main" val="1"/>
-                </p:ext>
-              </p:extLst>
-            </p:nvPr>
-          </p:nvCxnSpPr>
-          <p:spPr>
-            <a:xfrm>
-              <a:off x="5109498" y="-1"/>
-              <a:ext cx="0" cy="6858000"/>
-            </a:xfrm>
-            <a:prstGeom prst="line">
-              <a:avLst/>
-            </a:prstGeom>
-            <a:ln w="12700">
-              <a:solidFill>
-                <a:srgbClr val="BCBCBC">
-                  <a:alpha val="29804"/>
-                </a:srgbClr>
-              </a:solidFill>
-              <a:prstDash val="sysDot"/>
-            </a:ln>
-          </p:spPr>
-          <p:style>
-            <a:lnRef idx="1">
-              <a:schemeClr val="accent1"/>
-            </a:lnRef>
-            <a:fillRef idx="0">
-              <a:schemeClr val="accent1"/>
-            </a:fillRef>
-            <a:effectRef idx="0">
-              <a:schemeClr val="accent1"/>
-            </a:effectRef>
-            <a:fontRef idx="minor">
-              <a:schemeClr val="tx1"/>
-            </a:fontRef>
-          </p:style>
-        </p:cxnSp>
-        <p:cxnSp>
-          <p:nvCxnSpPr>
-            <p:cNvPr id="21" name="Straight Connector 20">
-              <a:extLst>
-                <a:ext uri="{FF2B5EF4-FFF2-40B4-BE49-F238E27FC236}">
-                  <a16:creationId xmlns:a16="http://schemas.microsoft.com/office/drawing/2014/main" id="{050E9A4F-55AE-45D6-B44E-05A490A6C155}"/>
-                </a:ext>
-                <a:ext uri="{C183D7F6-B498-43B3-948B-1728B52AA6E4}">
-                  <adec:decorative xmlns:adec="http://schemas.microsoft.com/office/drawing/2017/decorative" val="1"/>
-                </a:ext>
-              </a:extLst>
-            </p:cNvPr>
-            <p:cNvCxnSpPr>
-              <a:cxnSpLocks/>
-            </p:cNvCxnSpPr>
-            <p:nvPr>
-              <p:extLst>
-                <p:ext uri="{386F3935-93C4-4BCD-93E2-E3B085C9AB24}">
-                  <p16:designElem xmlns:p16="http://schemas.microsoft.com/office/powerpoint/2015/main" val="1"/>
-                </p:ext>
-              </p:extLst>
-            </p:nvPr>
-          </p:nvCxnSpPr>
-          <p:spPr>
-            <a:xfrm>
-              <a:off x="6092892" y="-1"/>
-              <a:ext cx="0" cy="6858000"/>
-            </a:xfrm>
-            <a:prstGeom prst="line">
-              <a:avLst/>
-            </a:prstGeom>
-            <a:ln w="12700">
-              <a:solidFill>
-                <a:srgbClr val="BCBCBC">
-                  <a:alpha val="29804"/>
-                </a:srgbClr>
-              </a:solidFill>
-              <a:prstDash val="sysDot"/>
-            </a:ln>
-          </p:spPr>
-          <p:style>
-            <a:lnRef idx="1">
-              <a:schemeClr val="accent1"/>
-            </a:lnRef>
-            <a:fillRef idx="0">
-              <a:schemeClr val="accent1"/>
-            </a:fillRef>
-            <a:effectRef idx="0">
-              <a:schemeClr val="accent1"/>
-            </a:effectRef>
-            <a:fontRef idx="minor">
-              <a:schemeClr val="tx1"/>
-            </a:fontRef>
-          </p:style>
-        </p:cxnSp>
-        <p:cxnSp>
-          <p:nvCxnSpPr>
-            <p:cNvPr id="22" name="Straight Connector 21">
-              <a:extLst>
-                <a:ext uri="{FF2B5EF4-FFF2-40B4-BE49-F238E27FC236}">
-                  <a16:creationId xmlns:a16="http://schemas.microsoft.com/office/drawing/2014/main" id="{3D7BBCCD-A1AE-4BFA-80F7-46BE8098AF91}"/>
-                </a:ext>
-                <a:ext uri="{C183D7F6-B498-43B3-948B-1728B52AA6E4}">
-                  <adec:decorative xmlns:adec="http://schemas.microsoft.com/office/drawing/2017/decorative" val="1"/>
-                </a:ext>
-              </a:extLst>
-            </p:cNvPr>
-            <p:cNvCxnSpPr>
-              <a:cxnSpLocks/>
-            </p:cNvCxnSpPr>
-            <p:nvPr>
-              <p:extLst>
-                <p:ext uri="{386F3935-93C4-4BCD-93E2-E3B085C9AB24}">
-                  <p16:designElem xmlns:p16="http://schemas.microsoft.com/office/powerpoint/2015/main" val="1"/>
-                </p:ext>
-              </p:extLst>
-            </p:nvPr>
-          </p:nvCxnSpPr>
-          <p:spPr>
-            <a:xfrm>
-              <a:off x="7076286" y="-1"/>
-              <a:ext cx="0" cy="6858000"/>
-            </a:xfrm>
-            <a:prstGeom prst="line">
-              <a:avLst/>
-            </a:prstGeom>
-            <a:ln w="12700">
-              <a:solidFill>
-                <a:srgbClr val="BCBCBC">
-                  <a:alpha val="29804"/>
-                </a:srgbClr>
-              </a:solidFill>
-              <a:prstDash val="sysDot"/>
-            </a:ln>
-          </p:spPr>
-          <p:style>
-            <a:lnRef idx="1">
-              <a:schemeClr val="accent1"/>
-            </a:lnRef>
-            <a:fillRef idx="0">
-              <a:schemeClr val="accent1"/>
-            </a:fillRef>
-            <a:effectRef idx="0">
-              <a:schemeClr val="accent1"/>
-            </a:effectRef>
-            <a:fontRef idx="minor">
-              <a:schemeClr val="tx1"/>
-            </a:fontRef>
-          </p:style>
-        </p:cxnSp>
-        <p:cxnSp>
-          <p:nvCxnSpPr>
-            <p:cNvPr id="23" name="Straight Connector 22">
-              <a:extLst>
-                <a:ext uri="{FF2B5EF4-FFF2-40B4-BE49-F238E27FC236}">
-                  <a16:creationId xmlns:a16="http://schemas.microsoft.com/office/drawing/2014/main" id="{0F8B2CF2-81C9-4A74-A490-2BD6CD3B1222}"/>
-                </a:ext>
-                <a:ext uri="{C183D7F6-B498-43B3-948B-1728B52AA6E4}">
-                  <adec:decorative xmlns:adec="http://schemas.microsoft.com/office/drawing/2017/decorative" val="1"/>
-                </a:ext>
-              </a:extLst>
-            </p:cNvPr>
-            <p:cNvCxnSpPr>
-              <a:cxnSpLocks/>
-            </p:cNvCxnSpPr>
-            <p:nvPr>
-              <p:extLst>
-                <p:ext uri="{386F3935-93C4-4BCD-93E2-E3B085C9AB24}">
-                  <p16:designElem xmlns:p16="http://schemas.microsoft.com/office/powerpoint/2015/main" val="1"/>
-                </p:ext>
-              </p:extLst>
-            </p:nvPr>
-          </p:nvCxnSpPr>
-          <p:spPr>
-            <a:xfrm>
-              <a:off x="8059680" y="-1"/>
-              <a:ext cx="0" cy="6858000"/>
-            </a:xfrm>
-            <a:prstGeom prst="line">
-              <a:avLst/>
-            </a:prstGeom>
-            <a:ln w="12700">
-              <a:solidFill>
-                <a:srgbClr val="BCBCBC">
-                  <a:alpha val="29804"/>
-                </a:srgbClr>
-              </a:solidFill>
-              <a:prstDash val="sysDot"/>
-            </a:ln>
-          </p:spPr>
-          <p:style>
-            <a:lnRef idx="1">
-              <a:schemeClr val="accent1"/>
-            </a:lnRef>
-            <a:fillRef idx="0">
-              <a:schemeClr val="accent1"/>
-            </a:fillRef>
-            <a:effectRef idx="0">
-              <a:schemeClr val="accent1"/>
-            </a:effectRef>
-            <a:fontRef idx="minor">
-              <a:schemeClr val="tx1"/>
-            </a:fontRef>
-          </p:style>
-        </p:cxnSp>
-        <p:cxnSp>
-          <p:nvCxnSpPr>
-            <p:cNvPr id="24" name="Straight Connector 23">
-              <a:extLst>
-                <a:ext uri="{FF2B5EF4-FFF2-40B4-BE49-F238E27FC236}">
-                  <a16:creationId xmlns:a16="http://schemas.microsoft.com/office/drawing/2014/main" id="{75DCB727-D275-4817-B971-D9BB4F5B712C}"/>
-                </a:ext>
-                <a:ext uri="{C183D7F6-B498-43B3-948B-1728B52AA6E4}">
-                  <adec:decorative xmlns:adec="http://schemas.microsoft.com/office/drawing/2017/decorative" val="1"/>
-                </a:ext>
-              </a:extLst>
-            </p:cNvPr>
-            <p:cNvCxnSpPr>
-              <a:cxnSpLocks/>
-            </p:cNvCxnSpPr>
-            <p:nvPr>
-              <p:extLst>
-                <p:ext uri="{386F3935-93C4-4BCD-93E2-E3B085C9AB24}">
-                  <p16:designElem xmlns:p16="http://schemas.microsoft.com/office/powerpoint/2015/main" val="1"/>
-                </p:ext>
-              </p:extLst>
-            </p:nvPr>
-          </p:nvCxnSpPr>
-          <p:spPr>
-            <a:xfrm>
-              <a:off x="9043074" y="-1"/>
-              <a:ext cx="0" cy="6858000"/>
-            </a:xfrm>
-            <a:prstGeom prst="line">
-              <a:avLst/>
-            </a:prstGeom>
-            <a:ln w="12700">
-              <a:solidFill>
-                <a:srgbClr val="BCBCBC">
-                  <a:alpha val="29804"/>
-                </a:srgbClr>
-              </a:solidFill>
-              <a:prstDash val="sysDot"/>
-            </a:ln>
-          </p:spPr>
-          <p:style>
-            <a:lnRef idx="1">
-              <a:schemeClr val="accent1"/>
-            </a:lnRef>
-            <a:fillRef idx="0">
-              <a:schemeClr val="accent1"/>
-            </a:fillRef>
-            <a:effectRef idx="0">
-              <a:schemeClr val="accent1"/>
-            </a:effectRef>
-            <a:fontRef idx="minor">
-              <a:schemeClr val="tx1"/>
-            </a:fontRef>
-          </p:style>
-        </p:cxnSp>
-        <p:cxnSp>
-          <p:nvCxnSpPr>
-            <p:cNvPr id="25" name="Straight Connector 24">
-              <a:extLst>
-                <a:ext uri="{FF2B5EF4-FFF2-40B4-BE49-F238E27FC236}">
-                  <a16:creationId xmlns:a16="http://schemas.microsoft.com/office/drawing/2014/main" id="{ABA80A43-0A4B-47A9-897D-3250BB7196E7}"/>
-                </a:ext>
-                <a:ext uri="{C183D7F6-B498-43B3-948B-1728B52AA6E4}">
-                  <adec:decorative xmlns:adec="http://schemas.microsoft.com/office/drawing/2017/decorative" val="1"/>
-                </a:ext>
-              </a:extLst>
-            </p:cNvPr>
-            <p:cNvCxnSpPr>
-              <a:cxnSpLocks/>
-            </p:cNvCxnSpPr>
-            <p:nvPr>
-              <p:extLst>
-                <p:ext uri="{386F3935-93C4-4BCD-93E2-E3B085C9AB24}">
-                  <p16:designElem xmlns:p16="http://schemas.microsoft.com/office/powerpoint/2015/main" val="1"/>
-                </p:ext>
-              </p:extLst>
-            </p:nvPr>
-          </p:nvCxnSpPr>
-          <p:spPr>
-            <a:xfrm>
-              <a:off x="10026468" y="-1"/>
-              <a:ext cx="0" cy="6858000"/>
-            </a:xfrm>
-            <a:prstGeom prst="line">
-              <a:avLst/>
-            </a:prstGeom>
-            <a:ln w="12700">
-              <a:solidFill>
-                <a:srgbClr val="BCBCBC">
-                  <a:alpha val="29804"/>
-                </a:srgbClr>
-              </a:solidFill>
-              <a:prstDash val="sysDot"/>
-            </a:ln>
-          </p:spPr>
-          <p:style>
-            <a:lnRef idx="1">
-              <a:schemeClr val="accent1"/>
-            </a:lnRef>
-            <a:fillRef idx="0">
-              <a:schemeClr val="accent1"/>
-            </a:fillRef>
-            <a:effectRef idx="0">
-              <a:schemeClr val="accent1"/>
-            </a:effectRef>
-            <a:fontRef idx="minor">
-              <a:schemeClr val="tx1"/>
-            </a:fontRef>
-          </p:style>
-        </p:cxnSp>
-        <p:cxnSp>
-          <p:nvCxnSpPr>
-            <p:cNvPr id="26" name="Straight Connector 25">
-              <a:extLst>
-                <a:ext uri="{FF2B5EF4-FFF2-40B4-BE49-F238E27FC236}">
-                  <a16:creationId xmlns:a16="http://schemas.microsoft.com/office/drawing/2014/main" id="{7CAC5A38-B877-4D02-9F87-FBB869B59661}"/>
-                </a:ext>
-                <a:ext uri="{C183D7F6-B498-43B3-948B-1728B52AA6E4}">
-                  <adec:decorative xmlns:adec="http://schemas.microsoft.com/office/drawing/2017/decorative" val="1"/>
-                </a:ext>
-              </a:extLst>
-            </p:cNvPr>
-            <p:cNvCxnSpPr>
-              <a:cxnSpLocks/>
-            </p:cNvCxnSpPr>
-            <p:nvPr>
-              <p:extLst>
-                <p:ext uri="{386F3935-93C4-4BCD-93E2-E3B085C9AB24}">
-                  <p16:designElem xmlns:p16="http://schemas.microsoft.com/office/powerpoint/2015/main" val="1"/>
-                </p:ext>
-              </p:extLst>
-            </p:nvPr>
-          </p:nvCxnSpPr>
-          <p:spPr>
-            <a:xfrm>
-              <a:off x="11009862" y="-1"/>
-              <a:ext cx="0" cy="6858000"/>
-            </a:xfrm>
-            <a:prstGeom prst="line">
-              <a:avLst/>
-            </a:prstGeom>
-            <a:ln w="12700">
-              <a:solidFill>
-                <a:srgbClr val="BCBCBC">
-                  <a:alpha val="29804"/>
-                </a:srgbClr>
-              </a:solidFill>
-              <a:prstDash val="sysDot"/>
-            </a:ln>
-          </p:spPr>
-          <p:style>
-            <a:lnRef idx="1">
-              <a:schemeClr val="accent1"/>
-            </a:lnRef>
-            <a:fillRef idx="0">
-              <a:schemeClr val="accent1"/>
-            </a:fillRef>
-            <a:effectRef idx="0">
-              <a:schemeClr val="accent1"/>
-            </a:effectRef>
-            <a:fontRef idx="minor">
-              <a:schemeClr val="tx1"/>
-            </a:fontRef>
-          </p:style>
-        </p:cxnSp>
-        <p:cxnSp>
-          <p:nvCxnSpPr>
-            <p:cNvPr id="27" name="Straight Connector 26">
-              <a:extLst>
-                <a:ext uri="{FF2B5EF4-FFF2-40B4-BE49-F238E27FC236}">
-                  <a16:creationId xmlns:a16="http://schemas.microsoft.com/office/drawing/2014/main" id="{D32F9102-545F-491E-B1B4-2263E5F830EC}"/>
-                </a:ext>
-                <a:ext uri="{C183D7F6-B498-43B3-948B-1728B52AA6E4}">
-                  <adec:decorative xmlns:adec="http://schemas.microsoft.com/office/drawing/2017/decorative" val="1"/>
-                </a:ext>
-              </a:extLst>
-            </p:cNvPr>
-            <p:cNvCxnSpPr>
-              <a:cxnSpLocks/>
-            </p:cNvCxnSpPr>
-            <p:nvPr>
-              <p:extLst>
-                <p:ext uri="{386F3935-93C4-4BCD-93E2-E3B085C9AB24}">
-                  <p16:designElem xmlns:p16="http://schemas.microsoft.com/office/powerpoint/2015/main" val="1"/>
-                </p:ext>
-              </p:extLst>
-            </p:nvPr>
-          </p:nvCxnSpPr>
-          <p:spPr>
-            <a:xfrm>
-              <a:off x="12185786" y="-1"/>
-              <a:ext cx="0" cy="6858000"/>
-            </a:xfrm>
-            <a:prstGeom prst="line">
-              <a:avLst/>
-            </a:prstGeom>
-            <a:ln w="12700">
-              <a:solidFill>
-                <a:srgbClr val="BCBCBC">
-                  <a:alpha val="29804"/>
-                </a:srgbClr>
-              </a:solidFill>
-              <a:prstDash val="sysDot"/>
-            </a:ln>
-          </p:spPr>
-          <p:style>
-            <a:lnRef idx="1">
-              <a:schemeClr val="accent1"/>
-            </a:lnRef>
-            <a:fillRef idx="0">
-              <a:schemeClr val="accent1"/>
-            </a:fillRef>
-            <a:effectRef idx="0">
-              <a:schemeClr val="accent1"/>
-            </a:effectRef>
-            <a:fontRef idx="minor">
-              <a:schemeClr val="tx1"/>
-            </a:fontRef>
-          </p:style>
-        </p:cxnSp>
-        <p:cxnSp>
-          <p:nvCxnSpPr>
-            <p:cNvPr id="28" name="Straight Connector 27">
-              <a:extLst>
-                <a:ext uri="{FF2B5EF4-FFF2-40B4-BE49-F238E27FC236}">
-                  <a16:creationId xmlns:a16="http://schemas.microsoft.com/office/drawing/2014/main" id="{7FE5AF7E-DC93-4AC8-A2E8-757DE86C9F4A}"/>
-                </a:ext>
-                <a:ext uri="{C183D7F6-B498-43B3-948B-1728B52AA6E4}">
-                  <adec:decorative xmlns:adec="http://schemas.microsoft.com/office/drawing/2017/decorative" val="1"/>
-                </a:ext>
-              </a:extLst>
-            </p:cNvPr>
-            <p:cNvCxnSpPr>
-              <a:cxnSpLocks/>
-            </p:cNvCxnSpPr>
-            <p:nvPr>
-              <p:extLst>
-                <p:ext uri="{386F3935-93C4-4BCD-93E2-E3B085C9AB24}">
-                  <p16:designElem xmlns:p16="http://schemas.microsoft.com/office/powerpoint/2015/main" val="1"/>
-                </p:ext>
-              </p:extLst>
-            </p:nvPr>
-          </p:nvCxnSpPr>
-          <p:spPr>
-            <a:xfrm>
-              <a:off x="0" y="171716"/>
-              <a:ext cx="12192000" cy="0"/>
-            </a:xfrm>
-            <a:prstGeom prst="line">
-              <a:avLst/>
-            </a:prstGeom>
-            <a:ln w="12700">
-              <a:solidFill>
-                <a:srgbClr val="BCBCBC">
-                  <a:alpha val="29804"/>
-                </a:srgbClr>
-              </a:solidFill>
-              <a:prstDash val="sysDot"/>
-            </a:ln>
-          </p:spPr>
-          <p:style>
-            <a:lnRef idx="1">
-              <a:schemeClr val="accent1"/>
-            </a:lnRef>
-            <a:fillRef idx="0">
-              <a:schemeClr val="accent1"/>
-            </a:fillRef>
-            <a:effectRef idx="0">
-              <a:schemeClr val="accent1"/>
-            </a:effectRef>
-            <a:fontRef idx="minor">
-              <a:schemeClr val="tx1"/>
-            </a:fontRef>
-          </p:style>
-        </p:cxnSp>
-        <p:cxnSp>
-          <p:nvCxnSpPr>
-            <p:cNvPr id="29" name="Straight Connector 28">
-              <a:extLst>
-                <a:ext uri="{FF2B5EF4-FFF2-40B4-BE49-F238E27FC236}">
-                  <a16:creationId xmlns:a16="http://schemas.microsoft.com/office/drawing/2014/main" id="{E6E45B1B-C6E0-4BEA-B1E7-336F18C6C49A}"/>
-                </a:ext>
-                <a:ext uri="{C183D7F6-B498-43B3-948B-1728B52AA6E4}">
-                  <adec:decorative xmlns:adec="http://schemas.microsoft.com/office/drawing/2017/decorative" val="1"/>
-                </a:ext>
-              </a:extLst>
-            </p:cNvPr>
-            <p:cNvCxnSpPr>
-              <a:cxnSpLocks/>
-            </p:cNvCxnSpPr>
-            <p:nvPr>
-              <p:extLst>
-                <p:ext uri="{386F3935-93C4-4BCD-93E2-E3B085C9AB24}">
-                  <p16:designElem xmlns:p16="http://schemas.microsoft.com/office/powerpoint/2015/main" val="1"/>
-                </p:ext>
-              </p:extLst>
-            </p:nvPr>
-          </p:nvCxnSpPr>
-          <p:spPr>
-            <a:xfrm>
-              <a:off x="0" y="714597"/>
-              <a:ext cx="12192000" cy="0"/>
-            </a:xfrm>
-            <a:prstGeom prst="line">
-              <a:avLst/>
-            </a:prstGeom>
-            <a:ln w="12700">
-              <a:solidFill>
-                <a:srgbClr val="BCBCBC">
-                  <a:alpha val="29804"/>
-                </a:srgbClr>
-              </a:solidFill>
-              <a:prstDash val="sysDot"/>
-            </a:ln>
-          </p:spPr>
-          <p:style>
-            <a:lnRef idx="1">
-              <a:schemeClr val="accent1"/>
-            </a:lnRef>
-            <a:fillRef idx="0">
-              <a:schemeClr val="accent1"/>
-            </a:fillRef>
-            <a:effectRef idx="0">
-              <a:schemeClr val="accent1"/>
-            </a:effectRef>
-            <a:fontRef idx="minor">
-              <a:schemeClr val="tx1"/>
-            </a:fontRef>
-          </p:style>
-        </p:cxnSp>
-        <p:cxnSp>
-          <p:nvCxnSpPr>
-            <p:cNvPr id="30" name="Straight Connector 29">
-              <a:extLst>
-                <a:ext uri="{FF2B5EF4-FFF2-40B4-BE49-F238E27FC236}">
-                  <a16:creationId xmlns:a16="http://schemas.microsoft.com/office/drawing/2014/main" id="{6ACED6DF-BA5E-4A18-83F7-81BAA16C787C}"/>
-                </a:ext>
-                <a:ext uri="{C183D7F6-B498-43B3-948B-1728B52AA6E4}">
-                  <adec:decorative xmlns:adec="http://schemas.microsoft.com/office/drawing/2017/decorative" val="1"/>
-                </a:ext>
-              </a:extLst>
-            </p:cNvPr>
-            <p:cNvCxnSpPr>
-              <a:cxnSpLocks/>
-            </p:cNvCxnSpPr>
-            <p:nvPr>
-              <p:extLst>
-                <p:ext uri="{386F3935-93C4-4BCD-93E2-E3B085C9AB24}">
-                  <p16:designElem xmlns:p16="http://schemas.microsoft.com/office/powerpoint/2015/main" val="1"/>
-                </p:ext>
-              </p:extLst>
-            </p:nvPr>
-          </p:nvCxnSpPr>
-          <p:spPr>
-            <a:xfrm>
-              <a:off x="0" y="1257478"/>
-              <a:ext cx="12192000" cy="0"/>
-            </a:xfrm>
-            <a:prstGeom prst="line">
-              <a:avLst/>
-            </a:prstGeom>
-            <a:ln w="12700">
-              <a:solidFill>
-                <a:srgbClr val="BCBCBC">
-                  <a:alpha val="29804"/>
-                </a:srgbClr>
-              </a:solidFill>
-              <a:prstDash val="sysDot"/>
-            </a:ln>
-          </p:spPr>
-          <p:style>
-            <a:lnRef idx="1">
-              <a:schemeClr val="accent1"/>
-            </a:lnRef>
-            <a:fillRef idx="0">
-              <a:schemeClr val="accent1"/>
-            </a:fillRef>
-            <a:effectRef idx="0">
-              <a:schemeClr val="accent1"/>
-            </a:effectRef>
-            <a:fontRef idx="minor">
-              <a:schemeClr val="tx1"/>
-            </a:fontRef>
-          </p:style>
-        </p:cxnSp>
-        <p:cxnSp>
-          <p:nvCxnSpPr>
-            <p:cNvPr id="31" name="Straight Connector 30">
-              <a:extLst>
-                <a:ext uri="{FF2B5EF4-FFF2-40B4-BE49-F238E27FC236}">
-                  <a16:creationId xmlns:a16="http://schemas.microsoft.com/office/drawing/2014/main" id="{B4C6C403-CCA8-4F3C-B05E-41B2D4D9CB83}"/>
-                </a:ext>
-                <a:ext uri="{C183D7F6-B498-43B3-948B-1728B52AA6E4}">
-                  <adec:decorative xmlns:adec="http://schemas.microsoft.com/office/drawing/2017/decorative" val="1"/>
-                </a:ext>
-              </a:extLst>
-            </p:cNvPr>
-            <p:cNvCxnSpPr>
-              <a:cxnSpLocks/>
-            </p:cNvCxnSpPr>
-            <p:nvPr>
-              <p:extLst>
-                <p:ext uri="{386F3935-93C4-4BCD-93E2-E3B085C9AB24}">
-                  <p16:designElem xmlns:p16="http://schemas.microsoft.com/office/powerpoint/2015/main" val="1"/>
-                </p:ext>
-              </p:extLst>
-            </p:nvPr>
-          </p:nvCxnSpPr>
-          <p:spPr>
-            <a:xfrm>
-              <a:off x="0" y="1800359"/>
-              <a:ext cx="12192000" cy="0"/>
-            </a:xfrm>
-            <a:prstGeom prst="line">
-              <a:avLst/>
-            </a:prstGeom>
-            <a:ln w="12700">
-              <a:solidFill>
-                <a:srgbClr val="BCBCBC">
-                  <a:alpha val="29804"/>
-                </a:srgbClr>
-              </a:solidFill>
-              <a:prstDash val="sysDot"/>
-            </a:ln>
-          </p:spPr>
-          <p:style>
-            <a:lnRef idx="1">
-              <a:schemeClr val="accent1"/>
-            </a:lnRef>
-            <a:fillRef idx="0">
-              <a:schemeClr val="accent1"/>
-            </a:fillRef>
-            <a:effectRef idx="0">
-              <a:schemeClr val="accent1"/>
-            </a:effectRef>
-            <a:fontRef idx="minor">
-              <a:schemeClr val="tx1"/>
-            </a:fontRef>
-          </p:style>
-        </p:cxnSp>
-        <p:cxnSp>
-          <p:nvCxnSpPr>
-            <p:cNvPr id="32" name="Straight Connector 31">
-              <a:extLst>
-                <a:ext uri="{FF2B5EF4-FFF2-40B4-BE49-F238E27FC236}">
-                  <a16:creationId xmlns:a16="http://schemas.microsoft.com/office/drawing/2014/main" id="{51E90276-C421-4004-A8A9-D20FA899B5A4}"/>
-                </a:ext>
-                <a:ext uri="{C183D7F6-B498-43B3-948B-1728B52AA6E4}">
-                  <adec:decorative xmlns:adec="http://schemas.microsoft.com/office/drawing/2017/decorative" val="1"/>
-                </a:ext>
-              </a:extLst>
-            </p:cNvPr>
-            <p:cNvCxnSpPr>
-              <a:cxnSpLocks/>
-            </p:cNvCxnSpPr>
-            <p:nvPr>
-              <p:extLst>
-                <p:ext uri="{386F3935-93C4-4BCD-93E2-E3B085C9AB24}">
-                  <p16:designElem xmlns:p16="http://schemas.microsoft.com/office/powerpoint/2015/main" val="1"/>
-                </p:ext>
-              </p:extLst>
-            </p:nvPr>
-          </p:nvCxnSpPr>
-          <p:spPr>
-            <a:xfrm>
-              <a:off x="0" y="2343240"/>
-              <a:ext cx="12192000" cy="0"/>
-            </a:xfrm>
-            <a:prstGeom prst="line">
-              <a:avLst/>
-            </a:prstGeom>
-            <a:ln w="12700">
-              <a:solidFill>
-                <a:srgbClr val="BCBCBC">
-                  <a:alpha val="29804"/>
-                </a:srgbClr>
-              </a:solidFill>
-              <a:prstDash val="sysDot"/>
-            </a:ln>
-          </p:spPr>
-          <p:style>
-            <a:lnRef idx="1">
-              <a:schemeClr val="accent1"/>
-            </a:lnRef>
-            <a:fillRef idx="0">
-              <a:schemeClr val="accent1"/>
-            </a:fillRef>
-            <a:effectRef idx="0">
-              <a:schemeClr val="accent1"/>
-            </a:effectRef>
-            <a:fontRef idx="minor">
-              <a:schemeClr val="tx1"/>
-            </a:fontRef>
-          </p:style>
-        </p:cxnSp>
-        <p:cxnSp>
-          <p:nvCxnSpPr>
-            <p:cNvPr id="33" name="Straight Connector 32">
-              <a:extLst>
-                <a:ext uri="{FF2B5EF4-FFF2-40B4-BE49-F238E27FC236}">
-                  <a16:creationId xmlns:a16="http://schemas.microsoft.com/office/drawing/2014/main" id="{05363102-1D9A-462A-B5E2-8D3018B9AF5D}"/>
-                </a:ext>
-                <a:ext uri="{C183D7F6-B498-43B3-948B-1728B52AA6E4}">
-                  <adec:decorative xmlns:adec="http://schemas.microsoft.com/office/drawing/2017/decorative" val="1"/>
-                </a:ext>
-              </a:extLst>
-            </p:cNvPr>
-            <p:cNvCxnSpPr>
-              <a:cxnSpLocks/>
-            </p:cNvCxnSpPr>
-            <p:nvPr>
-              <p:extLst>
-                <p:ext uri="{386F3935-93C4-4BCD-93E2-E3B085C9AB24}">
-                  <p16:designElem xmlns:p16="http://schemas.microsoft.com/office/powerpoint/2015/main" val="1"/>
-                </p:ext>
-              </p:extLst>
-            </p:nvPr>
-          </p:nvCxnSpPr>
-          <p:spPr>
-            <a:xfrm>
-              <a:off x="0" y="2886121"/>
-              <a:ext cx="12192000" cy="0"/>
-            </a:xfrm>
-            <a:prstGeom prst="line">
-              <a:avLst/>
-            </a:prstGeom>
-            <a:ln w="12700">
-              <a:solidFill>
-                <a:srgbClr val="BCBCBC">
-                  <a:alpha val="29804"/>
-                </a:srgbClr>
-              </a:solidFill>
-              <a:prstDash val="sysDot"/>
-            </a:ln>
-          </p:spPr>
-          <p:style>
-            <a:lnRef idx="1">
-              <a:schemeClr val="accent1"/>
-            </a:lnRef>
-            <a:fillRef idx="0">
-              <a:schemeClr val="accent1"/>
-            </a:fillRef>
-            <a:effectRef idx="0">
-              <a:schemeClr val="accent1"/>
-            </a:effectRef>
-            <a:fontRef idx="minor">
-              <a:schemeClr val="tx1"/>
-            </a:fontRef>
-          </p:style>
-        </p:cxnSp>
-        <p:cxnSp>
-          <p:nvCxnSpPr>
-            <p:cNvPr id="34" name="Straight Connector 33">
-              <a:extLst>
-                <a:ext uri="{FF2B5EF4-FFF2-40B4-BE49-F238E27FC236}">
-                  <a16:creationId xmlns:a16="http://schemas.microsoft.com/office/drawing/2014/main" id="{B1878078-BE67-48E4-A68A-3803731693FE}"/>
-                </a:ext>
-                <a:ext uri="{C183D7F6-B498-43B3-948B-1728B52AA6E4}">
-                  <adec:decorative xmlns:adec="http://schemas.microsoft.com/office/drawing/2017/decorative" val="1"/>
-                </a:ext>
-              </a:extLst>
-            </p:cNvPr>
-            <p:cNvCxnSpPr>
-              <a:cxnSpLocks/>
-            </p:cNvCxnSpPr>
-            <p:nvPr>
-              <p:extLst>
-                <p:ext uri="{386F3935-93C4-4BCD-93E2-E3B085C9AB24}">
-                  <p16:designElem xmlns:p16="http://schemas.microsoft.com/office/powerpoint/2015/main" val="1"/>
-                </p:ext>
-              </p:extLst>
-            </p:nvPr>
-          </p:nvCxnSpPr>
-          <p:spPr>
-            <a:xfrm>
-              <a:off x="0" y="3429002"/>
-              <a:ext cx="12192000" cy="0"/>
-            </a:xfrm>
-            <a:prstGeom prst="line">
-              <a:avLst/>
-            </a:prstGeom>
-            <a:ln w="12700">
-              <a:solidFill>
-                <a:srgbClr val="BCBCBC">
-                  <a:alpha val="29804"/>
-                </a:srgbClr>
-              </a:solidFill>
-              <a:prstDash val="sysDot"/>
-            </a:ln>
-          </p:spPr>
-          <p:style>
-            <a:lnRef idx="1">
-              <a:schemeClr val="accent1"/>
-            </a:lnRef>
-            <a:fillRef idx="0">
-              <a:schemeClr val="accent1"/>
-            </a:fillRef>
-            <a:effectRef idx="0">
-              <a:schemeClr val="accent1"/>
-            </a:effectRef>
-            <a:fontRef idx="minor">
-              <a:schemeClr val="tx1"/>
-            </a:fontRef>
-          </p:style>
-        </p:cxnSp>
-        <p:cxnSp>
-          <p:nvCxnSpPr>
-            <p:cNvPr id="35" name="Straight Connector 34">
-              <a:extLst>
-                <a:ext uri="{FF2B5EF4-FFF2-40B4-BE49-F238E27FC236}">
-                  <a16:creationId xmlns:a16="http://schemas.microsoft.com/office/drawing/2014/main" id="{3F129970-7AA8-4010-BAA9-250B294119D2}"/>
-                </a:ext>
-                <a:ext uri="{C183D7F6-B498-43B3-948B-1728B52AA6E4}">
-                  <adec:decorative xmlns:adec="http://schemas.microsoft.com/office/drawing/2017/decorative" val="1"/>
-                </a:ext>
-              </a:extLst>
-            </p:cNvPr>
-            <p:cNvCxnSpPr>
-              <a:cxnSpLocks/>
-            </p:cNvCxnSpPr>
-            <p:nvPr>
-              <p:extLst>
-                <p:ext uri="{386F3935-93C4-4BCD-93E2-E3B085C9AB24}">
-                  <p16:designElem xmlns:p16="http://schemas.microsoft.com/office/powerpoint/2015/main" val="1"/>
-                </p:ext>
-              </p:extLst>
-            </p:nvPr>
-          </p:nvCxnSpPr>
-          <p:spPr>
-            <a:xfrm>
-              <a:off x="0" y="3971883"/>
-              <a:ext cx="12192000" cy="0"/>
-            </a:xfrm>
-            <a:prstGeom prst="line">
-              <a:avLst/>
-            </a:prstGeom>
-            <a:ln w="12700">
-              <a:solidFill>
-                <a:srgbClr val="BCBCBC">
-                  <a:alpha val="29804"/>
-                </a:srgbClr>
-              </a:solidFill>
-              <a:prstDash val="sysDot"/>
-            </a:ln>
-          </p:spPr>
-          <p:style>
-            <a:lnRef idx="1">
-              <a:schemeClr val="accent1"/>
-            </a:lnRef>
-            <a:fillRef idx="0">
-              <a:schemeClr val="accent1"/>
-            </a:fillRef>
-            <a:effectRef idx="0">
-              <a:schemeClr val="accent1"/>
-            </a:effectRef>
-            <a:fontRef idx="minor">
-              <a:schemeClr val="tx1"/>
-            </a:fontRef>
-          </p:style>
-        </p:cxnSp>
-        <p:cxnSp>
-          <p:nvCxnSpPr>
-            <p:cNvPr id="36" name="Straight Connector 35">
-              <a:extLst>
-                <a:ext uri="{FF2B5EF4-FFF2-40B4-BE49-F238E27FC236}">
-                  <a16:creationId xmlns:a16="http://schemas.microsoft.com/office/drawing/2014/main" id="{8517EE9A-5ABB-4AAE-B1C1-BC4082C545B1}"/>
-                </a:ext>
-                <a:ext uri="{C183D7F6-B498-43B3-948B-1728B52AA6E4}">
-                  <adec:decorative xmlns:adec="http://schemas.microsoft.com/office/drawing/2017/decorative" val="1"/>
-                </a:ext>
-              </a:extLst>
-            </p:cNvPr>
-            <p:cNvCxnSpPr>
-              <a:cxnSpLocks/>
-            </p:cNvCxnSpPr>
-            <p:nvPr>
-              <p:extLst>
-                <p:ext uri="{386F3935-93C4-4BCD-93E2-E3B085C9AB24}">
-                  <p16:designElem xmlns:p16="http://schemas.microsoft.com/office/powerpoint/2015/main" val="1"/>
-                </p:ext>
-              </p:extLst>
-            </p:nvPr>
-          </p:nvCxnSpPr>
-          <p:spPr>
-            <a:xfrm>
-              <a:off x="0" y="4514764"/>
-              <a:ext cx="12192000" cy="0"/>
-            </a:xfrm>
-            <a:prstGeom prst="line">
-              <a:avLst/>
-            </a:prstGeom>
-            <a:ln w="12700">
-              <a:solidFill>
-                <a:srgbClr val="BCBCBC">
-                  <a:alpha val="29804"/>
-                </a:srgbClr>
-              </a:solidFill>
-              <a:prstDash val="sysDot"/>
-            </a:ln>
-          </p:spPr>
-          <p:style>
-            <a:lnRef idx="1">
-              <a:schemeClr val="accent1"/>
-            </a:lnRef>
-            <a:fillRef idx="0">
-              <a:schemeClr val="accent1"/>
-            </a:fillRef>
-            <a:effectRef idx="0">
-              <a:schemeClr val="accent1"/>
-            </a:effectRef>
-            <a:fontRef idx="minor">
-              <a:schemeClr val="tx1"/>
-            </a:fontRef>
-          </p:style>
-        </p:cxnSp>
-        <p:cxnSp>
-          <p:nvCxnSpPr>
-            <p:cNvPr id="37" name="Straight Connector 36">
-              <a:extLst>
-                <a:ext uri="{FF2B5EF4-FFF2-40B4-BE49-F238E27FC236}">
-                  <a16:creationId xmlns:a16="http://schemas.microsoft.com/office/drawing/2014/main" id="{529B555D-24AD-4FD6-8248-9ED911F7CEF5}"/>
-                </a:ext>
-                <a:ext uri="{C183D7F6-B498-43B3-948B-1728B52AA6E4}">
-                  <adec:decorative xmlns:adec="http://schemas.microsoft.com/office/drawing/2017/decorative" val="1"/>
-                </a:ext>
-              </a:extLst>
-            </p:cNvPr>
-            <p:cNvCxnSpPr>
-              <a:cxnSpLocks/>
-            </p:cNvCxnSpPr>
-            <p:nvPr>
-              <p:extLst>
-                <p:ext uri="{386F3935-93C4-4BCD-93E2-E3B085C9AB24}">
-                  <p16:designElem xmlns:p16="http://schemas.microsoft.com/office/powerpoint/2015/main" val="1"/>
-                </p:ext>
-              </p:extLst>
-            </p:nvPr>
-          </p:nvCxnSpPr>
-          <p:spPr>
-            <a:xfrm>
-              <a:off x="0" y="5057645"/>
-              <a:ext cx="12192000" cy="0"/>
-            </a:xfrm>
-            <a:prstGeom prst="line">
-              <a:avLst/>
-            </a:prstGeom>
-            <a:ln w="12700">
-              <a:solidFill>
-                <a:srgbClr val="BCBCBC">
-                  <a:alpha val="29804"/>
-                </a:srgbClr>
-              </a:solidFill>
-              <a:prstDash val="sysDot"/>
-            </a:ln>
-          </p:spPr>
-          <p:style>
-            <a:lnRef idx="1">
-              <a:schemeClr val="accent1"/>
-            </a:lnRef>
-            <a:fillRef idx="0">
-              <a:schemeClr val="accent1"/>
-            </a:fillRef>
-            <a:effectRef idx="0">
-              <a:schemeClr val="accent1"/>
-            </a:effectRef>
-            <a:fontRef idx="minor">
-              <a:schemeClr val="tx1"/>
-            </a:fontRef>
-          </p:style>
-        </p:cxnSp>
-        <p:cxnSp>
-          <p:nvCxnSpPr>
-            <p:cNvPr id="38" name="Straight Connector 37">
-              <a:extLst>
-                <a:ext uri="{FF2B5EF4-FFF2-40B4-BE49-F238E27FC236}">
-                  <a16:creationId xmlns:a16="http://schemas.microsoft.com/office/drawing/2014/main" id="{13D64E16-87AC-4CE5-866C-6B59AD5F0AAD}"/>
-                </a:ext>
-                <a:ext uri="{C183D7F6-B498-43B3-948B-1728B52AA6E4}">
-                  <adec:decorative xmlns:adec="http://schemas.microsoft.com/office/drawing/2017/decorative" val="1"/>
-                </a:ext>
-              </a:extLst>
-            </p:cNvPr>
-            <p:cNvCxnSpPr>
-              <a:cxnSpLocks/>
-            </p:cNvCxnSpPr>
-            <p:nvPr>
-              <p:extLst>
-                <p:ext uri="{386F3935-93C4-4BCD-93E2-E3B085C9AB24}">
-                  <p16:designElem xmlns:p16="http://schemas.microsoft.com/office/powerpoint/2015/main" val="1"/>
-                </p:ext>
-              </p:extLst>
-            </p:nvPr>
-          </p:nvCxnSpPr>
-          <p:spPr>
-            <a:xfrm>
-              <a:off x="0" y="5600526"/>
-              <a:ext cx="12192000" cy="0"/>
-            </a:xfrm>
-            <a:prstGeom prst="line">
-              <a:avLst/>
-            </a:prstGeom>
-            <a:ln w="12700">
-              <a:solidFill>
-                <a:srgbClr val="BCBCBC">
-                  <a:alpha val="29804"/>
-                </a:srgbClr>
-              </a:solidFill>
-              <a:prstDash val="sysDot"/>
-            </a:ln>
-          </p:spPr>
-          <p:style>
-            <a:lnRef idx="1">
-              <a:schemeClr val="accent1"/>
-            </a:lnRef>
-            <a:fillRef idx="0">
-              <a:schemeClr val="accent1"/>
-            </a:fillRef>
-            <a:effectRef idx="0">
-              <a:schemeClr val="accent1"/>
-            </a:effectRef>
-            <a:fontRef idx="minor">
-              <a:schemeClr val="tx1"/>
-            </a:fontRef>
-          </p:style>
-        </p:cxnSp>
-        <p:cxnSp>
-          <p:nvCxnSpPr>
-            <p:cNvPr id="39" name="Straight Connector 38">
-              <a:extLst>
-                <a:ext uri="{FF2B5EF4-FFF2-40B4-BE49-F238E27FC236}">
-                  <a16:creationId xmlns:a16="http://schemas.microsoft.com/office/drawing/2014/main" id="{5F483F33-5BEF-4FE4-99FF-136332EFB866}"/>
-                </a:ext>
-                <a:ext uri="{C183D7F6-B498-43B3-948B-1728B52AA6E4}">
-                  <adec:decorative xmlns:adec="http://schemas.microsoft.com/office/drawing/2017/decorative" val="1"/>
-                </a:ext>
-              </a:extLst>
-            </p:cNvPr>
-            <p:cNvCxnSpPr>
-              <a:cxnSpLocks/>
-            </p:cNvCxnSpPr>
-            <p:nvPr>
-              <p:extLst>
-                <p:ext uri="{386F3935-93C4-4BCD-93E2-E3B085C9AB24}">
-                  <p16:designElem xmlns:p16="http://schemas.microsoft.com/office/powerpoint/2015/main" val="1"/>
-                </p:ext>
-              </p:extLst>
-            </p:nvPr>
-          </p:nvCxnSpPr>
-          <p:spPr>
-            <a:xfrm>
-              <a:off x="0" y="6857999"/>
-              <a:ext cx="12192000" cy="0"/>
-            </a:xfrm>
-            <a:prstGeom prst="line">
-              <a:avLst/>
-            </a:prstGeom>
-            <a:ln w="12700">
-              <a:solidFill>
-                <a:srgbClr val="BCBCBC">
-                  <a:alpha val="29804"/>
-                </a:srgbClr>
-              </a:solidFill>
-              <a:prstDash val="sysDot"/>
-            </a:ln>
-          </p:spPr>
-          <p:style>
-            <a:lnRef idx="1">
-              <a:schemeClr val="accent1"/>
-            </a:lnRef>
-            <a:fillRef idx="0">
-              <a:schemeClr val="accent1"/>
-            </a:fillRef>
-            <a:effectRef idx="0">
-              <a:schemeClr val="accent1"/>
-            </a:effectRef>
-            <a:fontRef idx="minor">
-              <a:schemeClr val="tx1"/>
-            </a:fontRef>
-          </p:style>
-        </p:cxnSp>
-        <p:cxnSp>
-          <p:nvCxnSpPr>
-            <p:cNvPr id="40" name="Straight Connector 39">
-              <a:extLst>
-                <a:ext uri="{FF2B5EF4-FFF2-40B4-BE49-F238E27FC236}">
-                  <a16:creationId xmlns:a16="http://schemas.microsoft.com/office/drawing/2014/main" id="{84747797-C3EA-43C3-B21A-68EE6961F1B3}"/>
-                </a:ext>
-                <a:ext uri="{C183D7F6-B498-43B3-948B-1728B52AA6E4}">
-                  <adec:decorative xmlns:adec="http://schemas.microsoft.com/office/drawing/2017/decorative" val="1"/>
-                </a:ext>
-              </a:extLst>
-            </p:cNvPr>
-            <p:cNvCxnSpPr>
-              <a:cxnSpLocks/>
-            </p:cNvCxnSpPr>
-            <p:nvPr>
-              <p:extLst>
-                <p:ext uri="{386F3935-93C4-4BCD-93E2-E3B085C9AB24}">
-                  <p16:designElem xmlns:p16="http://schemas.microsoft.com/office/powerpoint/2015/main" val="1"/>
-                </p:ext>
-              </p:extLst>
-            </p:nvPr>
-          </p:nvCxnSpPr>
-          <p:spPr>
-            <a:xfrm>
-              <a:off x="16613" y="6143407"/>
-              <a:ext cx="12192000" cy="0"/>
-            </a:xfrm>
-            <a:prstGeom prst="line">
-              <a:avLst/>
-            </a:prstGeom>
-            <a:ln w="12700">
-              <a:solidFill>
-                <a:srgbClr val="BCBCBC">
-                  <a:alpha val="29804"/>
-                </a:srgbClr>
-              </a:solidFill>
-              <a:prstDash val="sysDot"/>
-            </a:ln>
-          </p:spPr>
-          <p:style>
-            <a:lnRef idx="1">
-              <a:schemeClr val="accent1"/>
-            </a:lnRef>
-            <a:fillRef idx="0">
-              <a:schemeClr val="accent1"/>
-            </a:fillRef>
-            <a:effectRef idx="0">
-              <a:schemeClr val="accent1"/>
-            </a:effectRef>
-            <a:fontRef idx="minor">
-              <a:schemeClr val="tx1"/>
-            </a:fontRef>
-          </p:style>
-        </p:cxnSp>
-        <p:cxnSp>
-          <p:nvCxnSpPr>
-            <p:cNvPr id="41" name="Straight Connector 40">
-              <a:extLst>
-                <a:ext uri="{FF2B5EF4-FFF2-40B4-BE49-F238E27FC236}">
-                  <a16:creationId xmlns:a16="http://schemas.microsoft.com/office/drawing/2014/main" id="{2F36F2F3-4904-4675-9844-8913BAB9FA7B}"/>
-                </a:ext>
-                <a:ext uri="{C183D7F6-B498-43B3-948B-1728B52AA6E4}">
-                  <adec:decorative xmlns:adec="http://schemas.microsoft.com/office/drawing/2017/decorative" val="1"/>
-                </a:ext>
-              </a:extLst>
-            </p:cNvPr>
-            <p:cNvCxnSpPr>
-              <a:cxnSpLocks/>
-            </p:cNvCxnSpPr>
-            <p:nvPr>
-              <p:extLst>
-                <p:ext uri="{386F3935-93C4-4BCD-93E2-E3B085C9AB24}">
-                  <p16:designElem xmlns:p16="http://schemas.microsoft.com/office/powerpoint/2015/main" val="1"/>
-                </p:ext>
-              </p:extLst>
-            </p:nvPr>
-          </p:nvCxnSpPr>
-          <p:spPr>
-            <a:xfrm>
-              <a:off x="684225" y="171716"/>
-              <a:ext cx="0" cy="6511464"/>
-            </a:xfrm>
-            <a:prstGeom prst="line">
-              <a:avLst/>
-            </a:prstGeom>
-            <a:ln w="12700">
-              <a:solidFill>
-                <a:srgbClr val="BCBCBC">
-                  <a:alpha val="29804"/>
-                </a:srgbClr>
-              </a:solidFill>
-              <a:prstDash val="sysDot"/>
-            </a:ln>
-          </p:spPr>
-          <p:style>
-            <a:lnRef idx="1">
-              <a:schemeClr val="accent1"/>
-            </a:lnRef>
-            <a:fillRef idx="0">
-              <a:schemeClr val="accent1"/>
-            </a:fillRef>
-            <a:effectRef idx="0">
-              <a:schemeClr val="accent1"/>
-            </a:effectRef>
-            <a:fontRef idx="minor">
-              <a:schemeClr val="tx1"/>
-            </a:fontRef>
-          </p:style>
-        </p:cxnSp>
-        <p:cxnSp>
-          <p:nvCxnSpPr>
-            <p:cNvPr id="42" name="Straight Connector 41">
-              <a:extLst>
-                <a:ext uri="{FF2B5EF4-FFF2-40B4-BE49-F238E27FC236}">
-                  <a16:creationId xmlns:a16="http://schemas.microsoft.com/office/drawing/2014/main" id="{5E33543B-C412-47F5-A29B-84867FDB8BE6}"/>
-                </a:ext>
-                <a:ext uri="{C183D7F6-B498-43B3-948B-1728B52AA6E4}">
-                  <adec:decorative xmlns:adec="http://schemas.microsoft.com/office/drawing/2017/decorative" val="1"/>
-                </a:ext>
-              </a:extLst>
-            </p:cNvPr>
-            <p:cNvCxnSpPr>
-              <a:cxnSpLocks/>
-            </p:cNvCxnSpPr>
-            <p:nvPr>
-              <p:extLst>
-                <p:ext uri="{386F3935-93C4-4BCD-93E2-E3B085C9AB24}">
-                  <p16:designElem xmlns:p16="http://schemas.microsoft.com/office/powerpoint/2015/main" val="1"/>
-                </p:ext>
-              </p:extLst>
-            </p:nvPr>
-          </p:nvCxnSpPr>
-          <p:spPr>
-            <a:xfrm>
-              <a:off x="11508412" y="173267"/>
-              <a:ext cx="0" cy="6511464"/>
-            </a:xfrm>
-            <a:prstGeom prst="line">
-              <a:avLst/>
-            </a:prstGeom>
-            <a:ln w="12700">
-              <a:solidFill>
-                <a:srgbClr val="BCBCBC">
-                  <a:alpha val="29804"/>
-                </a:srgbClr>
-              </a:solidFill>
-              <a:prstDash val="sysDot"/>
-            </a:ln>
-          </p:spPr>
-          <p:style>
-            <a:lnRef idx="1">
-              <a:schemeClr val="accent1"/>
-            </a:lnRef>
-            <a:fillRef idx="0">
-              <a:schemeClr val="accent1"/>
-            </a:fillRef>
-            <a:effectRef idx="0">
-              <a:schemeClr val="accent1"/>
-            </a:effectRef>
-            <a:fontRef idx="minor">
-              <a:schemeClr val="tx1"/>
-            </a:fontRef>
-          </p:style>
-        </p:cxnSp>
-      </p:grpSp>
-      <p:sp>
-        <p:nvSpPr>
-          <p:cNvPr id="44" name="Flowchart: Document 43">
-            <a:extLst>
-              <a:ext uri="{FF2B5EF4-FFF2-40B4-BE49-F238E27FC236}">
-                <a16:creationId xmlns:a16="http://schemas.microsoft.com/office/drawing/2014/main" id="{D22FBD32-C88A-4C1D-BC76-613A93944B72}"/>
-              </a:ext>
-              <a:ext uri="{C183D7F6-B498-43B3-948B-1728B52AA6E4}">
-                <adec:decorative xmlns:adec="http://schemas.microsoft.com/office/drawing/2017/decorative" val="1"/>
-              </a:ext>
-            </a:extLst>
-          </p:cNvPr>
-          <p:cNvSpPr>
-            <a:spLocks noGrp="1" noRot="1" noChangeAspect="1" noMove="1" noResize="1" noEditPoints="1" noAdjustHandles="1" noChangeArrowheads="1" noChangeShapeType="1" noTextEdit="1"/>
-          </p:cNvSpPr>
-          <p:nvPr>
-            <p:extLst>
-              <p:ext uri="{386F3935-93C4-4BCD-93E2-E3B085C9AB24}">
-                <p16:designElem xmlns:p16="http://schemas.microsoft.com/office/powerpoint/2015/main" val="1"/>
-              </p:ext>
-            </p:extLst>
-          </p:nvPr>
-        </p:nvSpPr>
-        <p:spPr>
-          <a:xfrm rot="16200000">
-            <a:off x="-304804" y="304807"/>
-            <a:ext cx="6858000" cy="6248391"/>
-          </a:xfrm>
-          <a:prstGeom prst="flowChartDocument">
-            <a:avLst/>
-          </a:prstGeom>
-          <a:solidFill>
-            <a:schemeClr val="bg1">
-              <a:alpha val="85000"/>
-            </a:schemeClr>
-          </a:solidFill>
-          <a:ln>
-            <a:noFill/>
-          </a:ln>
-        </p:spPr>
-        <p:style>
-          <a:lnRef idx="2">
-            <a:schemeClr val="accent1">
-              <a:shade val="50000"/>
-            </a:schemeClr>
-          </a:lnRef>
-          <a:fillRef idx="1">
-            <a:schemeClr val="accent1"/>
-          </a:fillRef>
-          <a:effectRef idx="0">
-            <a:schemeClr val="accent1"/>
-          </a:effectRef>
-          <a:fontRef idx="minor">
-            <a:schemeClr val="lt1"/>
-          </a:fontRef>
-        </p:style>
-        <p:txBody>
-          <a:bodyPr wrap="square" rtlCol="0" anchor="ctr">
-            <a:noAutofit/>
-          </a:bodyPr>
-          <a:lstStyle/>
-          <a:p>
-            <a:pPr algn="ctr"/>
-            <a:endParaRPr lang="en-US" dirty="0">
-              <a:solidFill>
-                <a:schemeClr val="bg1"/>
-              </a:solidFill>
-            </a:endParaRPr>
-          </a:p>
-        </p:txBody>
-      </p:sp>
-      <p:sp>
-        <p:nvSpPr>
-          <p:cNvPr id="8" name="Title 7">
-            <a:extLst>
-              <a:ext uri="{FF2B5EF4-FFF2-40B4-BE49-F238E27FC236}">
-                <a16:creationId xmlns:a16="http://schemas.microsoft.com/office/drawing/2014/main" id="{449AF74A-7882-34B0-7128-A6981547B81A}"/>
-              </a:ext>
-            </a:extLst>
-          </p:cNvPr>
-          <p:cNvSpPr>
-            <a:spLocks noGrp="1"/>
-          </p:cNvSpPr>
-          <p:nvPr>
-            <p:ph type="ctrTitle"/>
-          </p:nvPr>
-        </p:nvSpPr>
-        <p:spPr>
-          <a:xfrm>
-            <a:off x="484846" y="232879"/>
-            <a:ext cx="10495904" cy="1021496"/>
-          </a:xfrm>
-        </p:spPr>
-        <p:txBody>
-          <a:bodyPr/>
-          <a:lstStyle/>
-          <a:p>
-            <a:r>
-              <a:rPr lang="nl-NL" dirty="0"/>
-              <a:t>Inhoud</a:t>
-            </a:r>
-          </a:p>
-        </p:txBody>
-      </p:sp>
-      <p:sp>
-        <p:nvSpPr>
-          <p:cNvPr id="10" name="TextBox 9">
-            <a:extLst>
-              <a:ext uri="{FF2B5EF4-FFF2-40B4-BE49-F238E27FC236}">
-                <a16:creationId xmlns:a16="http://schemas.microsoft.com/office/drawing/2014/main" id="{DC63F22A-3FAB-CEC5-0FA3-3C61A7AFBC8F}"/>
-              </a:ext>
-            </a:extLst>
-          </p:cNvPr>
-          <p:cNvSpPr txBox="1"/>
-          <p:nvPr/>
-        </p:nvSpPr>
-        <p:spPr>
-          <a:xfrm>
-            <a:off x="414068" y="1254375"/>
-            <a:ext cx="1716136" cy="2782787"/>
-          </a:xfrm>
-          <a:prstGeom prst="rect">
-            <a:avLst/>
-          </a:prstGeom>
-          <a:noFill/>
-        </p:spPr>
-        <p:txBody>
-          <a:bodyPr wrap="square" rtlCol="0">
-            <a:spAutoFit/>
-          </a:bodyPr>
-          <a:lstStyle/>
-          <a:p>
-            <a:endParaRPr lang="nl-NL" dirty="0"/>
-          </a:p>
-        </p:txBody>
-      </p:sp>
-      <p:sp>
-        <p:nvSpPr>
-          <p:cNvPr id="56" name="TextBox 55">
-            <a:extLst>
-              <a:ext uri="{FF2B5EF4-FFF2-40B4-BE49-F238E27FC236}">
-                <a16:creationId xmlns:a16="http://schemas.microsoft.com/office/drawing/2014/main" id="{FE49175B-5D27-307B-13BA-61F4DEB457BE}"/>
-              </a:ext>
-            </a:extLst>
-          </p:cNvPr>
-          <p:cNvSpPr txBox="1"/>
-          <p:nvPr/>
-        </p:nvSpPr>
-        <p:spPr>
-          <a:xfrm>
-            <a:off x="580535" y="1242800"/>
-            <a:ext cx="3962400" cy="1754326"/>
-          </a:xfrm>
-          <a:prstGeom prst="rect">
-            <a:avLst/>
-          </a:prstGeom>
-          <a:noFill/>
-        </p:spPr>
-        <p:txBody>
-          <a:bodyPr wrap="square" rtlCol="0">
-            <a:spAutoFit/>
-          </a:bodyPr>
-          <a:lstStyle/>
-          <a:p>
-            <a:endParaRPr lang="nl-NL" dirty="0"/>
-          </a:p>
-          <a:p>
-            <a:pPr marL="285750" indent="-285750">
-              <a:buFont typeface="Arial" panose="020B0604020202020204" pitchFamily="34" charset="0"/>
-              <a:buChar char="•"/>
-            </a:pPr>
-            <a:r>
-              <a:rPr lang="nl-NL" dirty="0"/>
-              <a:t>Vorige Oplevering</a:t>
-            </a:r>
-          </a:p>
-          <a:p>
-            <a:endParaRPr lang="nl-NL" dirty="0"/>
-          </a:p>
-          <a:p>
-            <a:pPr marL="285750" indent="-285750">
-              <a:buFont typeface="Arial" panose="020B0604020202020204" pitchFamily="34" charset="0"/>
-              <a:buChar char="•"/>
-            </a:pPr>
-            <a:r>
-              <a:rPr lang="nl-NL" dirty="0"/>
-              <a:t>Website</a:t>
-            </a:r>
-            <a:br>
-              <a:rPr lang="nl-NL" dirty="0"/>
-            </a:br>
-            <a:endParaRPr lang="nl-NL" dirty="0"/>
-          </a:p>
-          <a:p>
-            <a:pPr marL="285750" indent="-285750">
-              <a:buFont typeface="Arial" panose="020B0604020202020204" pitchFamily="34" charset="0"/>
-              <a:buChar char="•"/>
-            </a:pPr>
-            <a:r>
-              <a:rPr lang="nl-NL" dirty="0"/>
-              <a:t>Vragen</a:t>
-            </a:r>
-          </a:p>
-        </p:txBody>
-      </p:sp>
-    </p:spTree>
-    <p:extLst>
-      <p:ext uri="{BB962C8B-B14F-4D97-AF65-F5344CB8AC3E}">
-        <p14:creationId xmlns:p14="http://schemas.microsoft.com/office/powerpoint/2010/main" val="2460476858"/>
-      </p:ext>
-    </p:extLst>
-  </p:cSld>
-  <p:clrMapOvr>
-    <a:masterClrMapping/>
-  </p:clrMapOvr>
-  <mc:AlternateContent xmlns:mc="http://schemas.openxmlformats.org/markup-compatibility/2006" xmlns:p159="http://schemas.microsoft.com/office/powerpoint/2015/09/main">
-    <mc:Choice Requires="p159">
-      <p:transition xmlns:p14="http://schemas.microsoft.com/office/powerpoint/2010/main" spd="slow" p14:dur="2000">
-        <p159:morph option="byChar"/>
-      </p:transition>
-    </mc:Choice>
-    <mc:Fallback xmlns="">
-      <p:transition spd="slow">
-        <p:fade/>
-      </p:transition>
-    </mc:Fallback>
-  </mc:AlternateContent>
-</p:sld>
-</file>
-
-<file path=ppt/slides/slide4.xml><?xml version="1.0" encoding="utf-8"?>
-<p:sld xmlns:a="http://schemas.openxmlformats.org/drawingml/2006/main" xmlns:r="http://schemas.openxmlformats.org/officeDocument/2006/relationships" xmlns:p="http://schemas.openxmlformats.org/presentationml/2006/main">
-  <p:cSld>
-    <p:spTree>
-      <p:nvGrpSpPr>
-        <p:cNvPr id="1" name=""/>
-        <p:cNvGrpSpPr/>
-        <p:nvPr/>
-      </p:nvGrpSpPr>
-      <p:grpSpPr>
-        <a:xfrm>
-          <a:off x="0" y="0"/>
-          <a:ext cx="0" cy="0"/>
-          <a:chOff x="0" y="0"/>
-          <a:chExt cx="0" cy="0"/>
-        </a:xfrm>
-      </p:grpSpPr>
-      <p:pic>
-        <p:nvPicPr>
-          <p:cNvPr id="4" name="Picture 3">
-            <a:extLst>
-              <a:ext uri="{FF2B5EF4-FFF2-40B4-BE49-F238E27FC236}">
-                <a16:creationId xmlns:a16="http://schemas.microsoft.com/office/drawing/2014/main" id="{DE46C96C-B249-8438-B41C-5F8F90F363EB}"/>
-              </a:ext>
-            </a:extLst>
-          </p:cNvPr>
-          <p:cNvPicPr>
-            <a:picLocks noChangeAspect="1"/>
-          </p:cNvPicPr>
-          <p:nvPr/>
-        </p:nvPicPr>
-        <p:blipFill rotWithShape="1">
-          <a:blip r:embed="rId2"/>
-          <a:srcRect t="5493" b="4145"/>
-          <a:stretch/>
-        </p:blipFill>
-        <p:spPr>
-          <a:xfrm rot="20939291">
-            <a:off x="-2473574" y="-2383398"/>
-            <a:ext cx="19692187" cy="11076856"/>
-          </a:xfrm>
-          <a:prstGeom prst="rect">
-            <a:avLst/>
-          </a:prstGeom>
-        </p:spPr>
-      </p:pic>
-      <p:sp>
-        <p:nvSpPr>
-          <p:cNvPr id="2" name="Title 1">
-            <a:extLst>
-              <a:ext uri="{FF2B5EF4-FFF2-40B4-BE49-F238E27FC236}">
-                <a16:creationId xmlns:a16="http://schemas.microsoft.com/office/drawing/2014/main" id="{91B3630E-555C-878D-C10E-FC25C1A0EE1D}"/>
-              </a:ext>
-            </a:extLst>
-          </p:cNvPr>
-          <p:cNvSpPr>
-            <a:spLocks noGrp="1"/>
-          </p:cNvSpPr>
-          <p:nvPr>
-            <p:ph type="title"/>
-          </p:nvPr>
-        </p:nvSpPr>
-        <p:spPr/>
-        <p:txBody>
-          <a:bodyPr/>
-          <a:lstStyle/>
-          <a:p>
-            <a:r>
-              <a:rPr lang="nl-NL" dirty="0">
-                <a:solidFill>
-                  <a:schemeClr val="bg1"/>
-                </a:solidFill>
-              </a:rPr>
-              <a:t>De Website:</a:t>
-            </a:r>
-          </a:p>
-        </p:txBody>
-      </p:sp>
-      <p:pic>
-        <p:nvPicPr>
-          <p:cNvPr id="6" name="Picture 5">
-            <a:hlinkClick r:id="rId3"/>
-            <a:extLst>
-              <a:ext uri="{FF2B5EF4-FFF2-40B4-BE49-F238E27FC236}">
-                <a16:creationId xmlns:a16="http://schemas.microsoft.com/office/drawing/2014/main" id="{4878A0D2-28AC-831F-9F3B-9232BE7BA31B}"/>
-              </a:ext>
-            </a:extLst>
-          </p:cNvPr>
-          <p:cNvPicPr>
-            <a:picLocks noChangeAspect="1"/>
-          </p:cNvPicPr>
-          <p:nvPr/>
-        </p:nvPicPr>
-        <p:blipFill>
-          <a:blip r:embed="rId4"/>
-          <a:stretch>
-            <a:fillRect/>
-          </a:stretch>
-        </p:blipFill>
-        <p:spPr>
-          <a:xfrm>
-            <a:off x="691079" y="2168414"/>
-            <a:ext cx="10093516" cy="5001956"/>
-          </a:xfrm>
-          <a:prstGeom prst="rect">
-            <a:avLst/>
-          </a:prstGeom>
-        </p:spPr>
-      </p:pic>
-    </p:spTree>
-    <p:extLst>
-      <p:ext uri="{BB962C8B-B14F-4D97-AF65-F5344CB8AC3E}">
-        <p14:creationId xmlns:p14="http://schemas.microsoft.com/office/powerpoint/2010/main" val="347195536"/>
-      </p:ext>
-    </p:extLst>
-  </p:cSld>
-  <p:clrMapOvr>
-    <a:masterClrMapping/>
-  </p:clrMapOvr>
-  <mc:AlternateContent xmlns:mc="http://schemas.openxmlformats.org/markup-compatibility/2006">
-    <mc:Choice xmlns:p159="http://schemas.microsoft.com/office/powerpoint/2015/09/main" Requires="p159">
-      <p:transition xmlns:p14="http://schemas.microsoft.com/office/powerpoint/2010/main" spd="slow" p14:dur="2000">
-        <p159:morph option="byChar"/>
-      </p:transition>
-    </mc:Choice>
-    <mc:Fallback>
       <p:transition spd="slow">
         <p:fade/>
       </p:transition>
@@ -20356,12 +20356,6 @@
 </file>
 
 <file path=customXml/item2.xml><?xml version="1.0" encoding="utf-8"?>
-<p:properties xmlns:p="http://schemas.microsoft.com/office/2006/metadata/properties" xmlns:xsi="http://www.w3.org/2001/XMLSchema-instance" xmlns:pc="http://schemas.microsoft.com/office/infopath/2007/PartnerControls">
-  <documentManagement/>
-</p:properties>
-</file>
-
-<file path=customXml/item3.xml><?xml version="1.0" encoding="utf-8"?>
 <ct:contentTypeSchema xmlns:ct="http://schemas.microsoft.com/office/2006/metadata/contentType" xmlns:ma="http://schemas.microsoft.com/office/2006/metadata/properties/metaAttributes" ct:_="" ma:_="" ma:contentTypeName="Document" ma:contentTypeID="0x010100986A798928749C45AF93A7695FD726CA" ma:contentTypeVersion="10" ma:contentTypeDescription="Een nieuw document maken." ma:contentTypeScope="" ma:versionID="cba784012c98f4bb3e9ad358de16c100">
   <xsd:schema xmlns:xsd="http://www.w3.org/2001/XMLSchema" xmlns:xs="http://www.w3.org/2001/XMLSchema" xmlns:p="http://schemas.microsoft.com/office/2006/metadata/properties" xmlns:ns3="a9c2ce52-029c-4043-a58b-a7c3ce360dc2" xmlns:ns4="86bd6a70-24e9-4c7e-b337-bc1894d11167" targetNamespace="http://schemas.microsoft.com/office/2006/metadata/properties" ma:root="true" ma:fieldsID="7b4376fcf1816dceb0361a9ea12d9381" ns3:_="" ns4:_="">
     <xsd:import namespace="a9c2ce52-029c-4043-a58b-a7c3ce360dc2"/>
@@ -20564,6 +20558,12 @@
 </ct:contentTypeSchema>
 </file>
 
+<file path=customXml/item3.xml><?xml version="1.0" encoding="utf-8"?>
+<p:properties xmlns:p="http://schemas.microsoft.com/office/2006/metadata/properties" xmlns:xsi="http://www.w3.org/2001/XMLSchema-instance" xmlns:pc="http://schemas.microsoft.com/office/infopath/2007/PartnerControls">
+  <documentManagement/>
+</p:properties>
+</file>
+
 <file path=customXml/itemProps1.xml><?xml version="1.0" encoding="utf-8"?>
 <ds:datastoreItem xmlns:ds="http://schemas.openxmlformats.org/officeDocument/2006/customXml" ds:itemID="{B40D6525-3551-4E8E-93B0-419EA935138E}">
   <ds:schemaRefs>
@@ -20573,23 +20573,6 @@
 </file>
 
 <file path=customXml/itemProps2.xml><?xml version="1.0" encoding="utf-8"?>
-<ds:datastoreItem xmlns:ds="http://schemas.openxmlformats.org/officeDocument/2006/customXml" ds:itemID="{6F418117-E717-4567-B23C-2ADF3CA7C4AD}">
-  <ds:schemaRefs>
-    <ds:schemaRef ds:uri="http://schemas.openxmlformats.org/package/2006/metadata/core-properties"/>
-    <ds:schemaRef ds:uri="a9c2ce52-029c-4043-a58b-a7c3ce360dc2"/>
-    <ds:schemaRef ds:uri="http://purl.org/dc/dcmitype/"/>
-    <ds:schemaRef ds:uri="http://www.w3.org/XML/1998/namespace"/>
-    <ds:schemaRef ds:uri="http://schemas.microsoft.com/office/2006/documentManagement/types"/>
-    <ds:schemaRef ds:uri="http://purl.org/dc/elements/1.1/"/>
-    <ds:schemaRef ds:uri="http://purl.org/dc/terms/"/>
-    <ds:schemaRef ds:uri="http://schemas.microsoft.com/office/infopath/2007/PartnerControls"/>
-    <ds:schemaRef ds:uri="86bd6a70-24e9-4c7e-b337-bc1894d11167"/>
-    <ds:schemaRef ds:uri="http://schemas.microsoft.com/office/2006/metadata/properties"/>
-  </ds:schemaRefs>
-</ds:datastoreItem>
-</file>
-
-<file path=customXml/itemProps3.xml><?xml version="1.0" encoding="utf-8"?>
 <ds:datastoreItem xmlns:ds="http://schemas.openxmlformats.org/officeDocument/2006/customXml" ds:itemID="{36440C25-9E1B-4047-A3BC-D34794A3062D}">
   <ds:schemaRefs>
     <ds:schemaRef ds:uri="http://schemas.microsoft.com/office/2006/metadata/contentType"/>
@@ -20606,4 +20589,21 @@
     <ds:schemaRef ds:uri="http://schemas.microsoft.com/internal/obd"/>
   </ds:schemaRefs>
 </ds:datastoreItem>
+</file>
+
+<file path=customXml/itemProps3.xml><?xml version="1.0" encoding="utf-8"?>
+<ds:datastoreItem xmlns:ds="http://schemas.openxmlformats.org/officeDocument/2006/customXml" ds:itemID="{6F418117-E717-4567-B23C-2ADF3CA7C4AD}">
+  <ds:schemaRefs>
+    <ds:schemaRef ds:uri="http://schemas.openxmlformats.org/package/2006/metadata/core-properties"/>
+    <ds:schemaRef ds:uri="a9c2ce52-029c-4043-a58b-a7c3ce360dc2"/>
+    <ds:schemaRef ds:uri="http://purl.org/dc/dcmitype/"/>
+    <ds:schemaRef ds:uri="http://www.w3.org/XML/1998/namespace"/>
+    <ds:schemaRef ds:uri="http://schemas.microsoft.com/office/2006/documentManagement/types"/>
+    <ds:schemaRef ds:uri="http://purl.org/dc/elements/1.1/"/>
+    <ds:schemaRef ds:uri="http://purl.org/dc/terms/"/>
+    <ds:schemaRef ds:uri="http://schemas.microsoft.com/office/infopath/2007/PartnerControls"/>
+    <ds:schemaRef ds:uri="86bd6a70-24e9-4c7e-b337-bc1894d11167"/>
+    <ds:schemaRef ds:uri="http://schemas.microsoft.com/office/2006/metadata/properties"/>
+  </ds:schemaRefs>
+</ds:datastoreItem>
 </file>